--- a/START修改部分.pptx
+++ b/START修改部分.pptx
@@ -4,16 +4,18 @@
   <p:sldMasterIdLst>
     <p:sldMasterId id="2147483660" r:id="rId1"/>
   </p:sldMasterIdLst>
+  <p:notesMasterIdLst>
+    <p:notesMasterId r:id="rId10"/>
+  </p:notesMasterIdLst>
   <p:sldIdLst>
     <p:sldId id="256" r:id="rId2"/>
     <p:sldId id="258" r:id="rId3"/>
-    <p:sldId id="257" r:id="rId4"/>
-    <p:sldId id="259" r:id="rId5"/>
+    <p:sldId id="265" r:id="rId4"/>
+    <p:sldId id="264" r:id="rId5"/>
     <p:sldId id="263" r:id="rId6"/>
     <p:sldId id="260" r:id="rId7"/>
     <p:sldId id="261" r:id="rId8"/>
-    <p:sldId id="262" r:id="rId9"/>
-    <p:sldId id="264" r:id="rId10"/>
+    <p:sldId id="266" r:id="rId9"/>
   </p:sldIdLst>
   <p:sldSz cx="9144000" cy="6858000" type="screen4x3"/>
   <p:notesSz cx="6858000" cy="9144000"/>
@@ -115,6 +117,1028 @@
 </p:presentation>
 </file>
 
+<file path=ppt/notesMasters/notesMaster1.xml><?xml version="1.0" encoding="utf-8"?>
+<p:notesMaster xmlns:a="http://schemas.openxmlformats.org/drawingml/2006/main" xmlns:r="http://schemas.openxmlformats.org/officeDocument/2006/relationships" xmlns:p="http://schemas.openxmlformats.org/presentationml/2006/main">
+  <p:cSld>
+    <p:bg>
+      <p:bgRef idx="1001">
+        <a:schemeClr val="bg1"/>
+      </p:bgRef>
+    </p:bg>
+    <p:spTree>
+      <p:nvGrpSpPr>
+        <p:cNvPr id="1" name=""/>
+        <p:cNvGrpSpPr/>
+        <p:nvPr/>
+      </p:nvGrpSpPr>
+      <p:grpSpPr>
+        <a:xfrm>
+          <a:off x="0" y="0"/>
+          <a:ext cx="0" cy="0"/>
+          <a:chOff x="0" y="0"/>
+          <a:chExt cx="0" cy="0"/>
+        </a:xfrm>
+      </p:grpSpPr>
+      <p:sp>
+        <p:nvSpPr>
+          <p:cNvPr id="2" name="页眉占位符 1"/>
+          <p:cNvSpPr>
+            <a:spLocks noGrp="1"/>
+          </p:cNvSpPr>
+          <p:nvPr>
+            <p:ph type="hdr" sz="quarter"/>
+          </p:nvPr>
+        </p:nvSpPr>
+        <p:spPr>
+          <a:xfrm>
+            <a:off x="0" y="0"/>
+            <a:ext cx="2971800" cy="457200"/>
+          </a:xfrm>
+          <a:prstGeom prst="rect">
+            <a:avLst/>
+          </a:prstGeom>
+        </p:spPr>
+        <p:txBody>
+          <a:bodyPr vert="horz" lIns="91440" tIns="45720" rIns="91440" bIns="45720" rtlCol="0"/>
+          <a:lstStyle>
+            <a:lvl1pPr algn="l">
+              <a:defRPr sz="1200"/>
+            </a:lvl1pPr>
+          </a:lstStyle>
+          <a:p>
+            <a:endParaRPr lang="zh-CN" altLang="en-US"/>
+          </a:p>
+        </p:txBody>
+      </p:sp>
+      <p:sp>
+        <p:nvSpPr>
+          <p:cNvPr id="3" name="日期占位符 2"/>
+          <p:cNvSpPr>
+            <a:spLocks noGrp="1"/>
+          </p:cNvSpPr>
+          <p:nvPr>
+            <p:ph type="dt" idx="1"/>
+          </p:nvPr>
+        </p:nvSpPr>
+        <p:spPr>
+          <a:xfrm>
+            <a:off x="3884613" y="0"/>
+            <a:ext cx="2971800" cy="457200"/>
+          </a:xfrm>
+          <a:prstGeom prst="rect">
+            <a:avLst/>
+          </a:prstGeom>
+        </p:spPr>
+        <p:txBody>
+          <a:bodyPr vert="horz" lIns="91440" tIns="45720" rIns="91440" bIns="45720" rtlCol="0"/>
+          <a:lstStyle>
+            <a:lvl1pPr algn="r">
+              <a:defRPr sz="1200"/>
+            </a:lvl1pPr>
+          </a:lstStyle>
+          <a:p>
+            <a:fld id="{2FA8BF23-7351-445D-BF62-74DCAE741814}" type="datetimeFigureOut">
+              <a:rPr lang="zh-CN" altLang="en-US" smtClean="0"/>
+              <a:t>2014/11/4</a:t>
+            </a:fld>
+            <a:endParaRPr lang="zh-CN" altLang="en-US"/>
+          </a:p>
+        </p:txBody>
+      </p:sp>
+      <p:sp>
+        <p:nvSpPr>
+          <p:cNvPr id="4" name="幻灯片图像占位符 3"/>
+          <p:cNvSpPr>
+            <a:spLocks noGrp="1" noRot="1" noChangeAspect="1"/>
+          </p:cNvSpPr>
+          <p:nvPr>
+            <p:ph type="sldImg" idx="2"/>
+          </p:nvPr>
+        </p:nvSpPr>
+        <p:spPr>
+          <a:xfrm>
+            <a:off x="1143000" y="685800"/>
+            <a:ext cx="4572000" cy="3429000"/>
+          </a:xfrm>
+          <a:prstGeom prst="rect">
+            <a:avLst/>
+          </a:prstGeom>
+          <a:noFill/>
+          <a:ln w="12700">
+            <a:solidFill>
+              <a:prstClr val="black"/>
+            </a:solidFill>
+          </a:ln>
+        </p:spPr>
+        <p:txBody>
+          <a:bodyPr vert="horz" lIns="91440" tIns="45720" rIns="91440" bIns="45720" rtlCol="0" anchor="ctr"/>
+          <a:lstStyle/>
+          <a:p>
+            <a:endParaRPr lang="zh-CN" altLang="en-US"/>
+          </a:p>
+        </p:txBody>
+      </p:sp>
+      <p:sp>
+        <p:nvSpPr>
+          <p:cNvPr id="5" name="备注占位符 4"/>
+          <p:cNvSpPr>
+            <a:spLocks noGrp="1"/>
+          </p:cNvSpPr>
+          <p:nvPr>
+            <p:ph type="body" sz="quarter" idx="3"/>
+          </p:nvPr>
+        </p:nvSpPr>
+        <p:spPr>
+          <a:xfrm>
+            <a:off x="685800" y="4343400"/>
+            <a:ext cx="5486400" cy="4114800"/>
+          </a:xfrm>
+          <a:prstGeom prst="rect">
+            <a:avLst/>
+          </a:prstGeom>
+        </p:spPr>
+        <p:txBody>
+          <a:bodyPr vert="horz" lIns="91440" tIns="45720" rIns="91440" bIns="45720" rtlCol="0"/>
+          <a:lstStyle/>
+          <a:p>
+            <a:pPr lvl="0"/>
+            <a:r>
+              <a:rPr lang="zh-CN" altLang="en-US" smtClean="0"/>
+              <a:t>单击此处编辑母版文本样式</a:t>
+            </a:r>
+          </a:p>
+          <a:p>
+            <a:pPr lvl="1"/>
+            <a:r>
+              <a:rPr lang="zh-CN" altLang="en-US" smtClean="0"/>
+              <a:t>第二级</a:t>
+            </a:r>
+          </a:p>
+          <a:p>
+            <a:pPr lvl="2"/>
+            <a:r>
+              <a:rPr lang="zh-CN" altLang="en-US" smtClean="0"/>
+              <a:t>第三级</a:t>
+            </a:r>
+          </a:p>
+          <a:p>
+            <a:pPr lvl="3"/>
+            <a:r>
+              <a:rPr lang="zh-CN" altLang="en-US" smtClean="0"/>
+              <a:t>第四级</a:t>
+            </a:r>
+          </a:p>
+          <a:p>
+            <a:pPr lvl="4"/>
+            <a:r>
+              <a:rPr lang="zh-CN" altLang="en-US" smtClean="0"/>
+              <a:t>第五级</a:t>
+            </a:r>
+            <a:endParaRPr lang="zh-CN" altLang="en-US"/>
+          </a:p>
+        </p:txBody>
+      </p:sp>
+      <p:sp>
+        <p:nvSpPr>
+          <p:cNvPr id="6" name="页脚占位符 5"/>
+          <p:cNvSpPr>
+            <a:spLocks noGrp="1"/>
+          </p:cNvSpPr>
+          <p:nvPr>
+            <p:ph type="ftr" sz="quarter" idx="4"/>
+          </p:nvPr>
+        </p:nvSpPr>
+        <p:spPr>
+          <a:xfrm>
+            <a:off x="0" y="8685213"/>
+            <a:ext cx="2971800" cy="457200"/>
+          </a:xfrm>
+          <a:prstGeom prst="rect">
+            <a:avLst/>
+          </a:prstGeom>
+        </p:spPr>
+        <p:txBody>
+          <a:bodyPr vert="horz" lIns="91440" tIns="45720" rIns="91440" bIns="45720" rtlCol="0" anchor="b"/>
+          <a:lstStyle>
+            <a:lvl1pPr algn="l">
+              <a:defRPr sz="1200"/>
+            </a:lvl1pPr>
+          </a:lstStyle>
+          <a:p>
+            <a:endParaRPr lang="zh-CN" altLang="en-US"/>
+          </a:p>
+        </p:txBody>
+      </p:sp>
+      <p:sp>
+        <p:nvSpPr>
+          <p:cNvPr id="7" name="灯片编号占位符 6"/>
+          <p:cNvSpPr>
+            <a:spLocks noGrp="1"/>
+          </p:cNvSpPr>
+          <p:nvPr>
+            <p:ph type="sldNum" sz="quarter" idx="5"/>
+          </p:nvPr>
+        </p:nvSpPr>
+        <p:spPr>
+          <a:xfrm>
+            <a:off x="3884613" y="8685213"/>
+            <a:ext cx="2971800" cy="457200"/>
+          </a:xfrm>
+          <a:prstGeom prst="rect">
+            <a:avLst/>
+          </a:prstGeom>
+        </p:spPr>
+        <p:txBody>
+          <a:bodyPr vert="horz" lIns="91440" tIns="45720" rIns="91440" bIns="45720" rtlCol="0" anchor="b"/>
+          <a:lstStyle>
+            <a:lvl1pPr algn="r">
+              <a:defRPr sz="1200"/>
+            </a:lvl1pPr>
+          </a:lstStyle>
+          <a:p>
+            <a:fld id="{53B991D2-B713-45A5-A483-C1D50CE19BD7}" type="slidenum">
+              <a:rPr lang="zh-CN" altLang="en-US" smtClean="0"/>
+              <a:t>‹#›</a:t>
+            </a:fld>
+            <a:endParaRPr lang="zh-CN" altLang="en-US"/>
+          </a:p>
+        </p:txBody>
+      </p:sp>
+    </p:spTree>
+    <p:extLst>
+      <p:ext uri="{BB962C8B-B14F-4D97-AF65-F5344CB8AC3E}">
+        <p14:creationId xmlns:p14="http://schemas.microsoft.com/office/powerpoint/2010/main" val="3851436809"/>
+      </p:ext>
+    </p:extLst>
+  </p:cSld>
+  <p:clrMap bg1="lt1" tx1="dk1" bg2="lt2" tx2="dk2" accent1="accent1" accent2="accent2" accent3="accent3" accent4="accent4" accent5="accent5" accent6="accent6" hlink="hlink" folHlink="folHlink"/>
+  <p:notesStyle>
+    <a:lvl1pPr marL="0" algn="l" defTabSz="914400" rtl="0" eaLnBrk="1" latinLnBrk="0" hangingPunct="1">
+      <a:defRPr sz="1200" kern="1200">
+        <a:solidFill>
+          <a:schemeClr val="tx1"/>
+        </a:solidFill>
+        <a:latin typeface="+mn-lt"/>
+        <a:ea typeface="+mn-ea"/>
+        <a:cs typeface="+mn-cs"/>
+      </a:defRPr>
+    </a:lvl1pPr>
+    <a:lvl2pPr marL="457200" algn="l" defTabSz="914400" rtl="0" eaLnBrk="1" latinLnBrk="0" hangingPunct="1">
+      <a:defRPr sz="1200" kern="1200">
+        <a:solidFill>
+          <a:schemeClr val="tx1"/>
+        </a:solidFill>
+        <a:latin typeface="+mn-lt"/>
+        <a:ea typeface="+mn-ea"/>
+        <a:cs typeface="+mn-cs"/>
+      </a:defRPr>
+    </a:lvl2pPr>
+    <a:lvl3pPr marL="914400" algn="l" defTabSz="914400" rtl="0" eaLnBrk="1" latinLnBrk="0" hangingPunct="1">
+      <a:defRPr sz="1200" kern="1200">
+        <a:solidFill>
+          <a:schemeClr val="tx1"/>
+        </a:solidFill>
+        <a:latin typeface="+mn-lt"/>
+        <a:ea typeface="+mn-ea"/>
+        <a:cs typeface="+mn-cs"/>
+      </a:defRPr>
+    </a:lvl3pPr>
+    <a:lvl4pPr marL="1371600" algn="l" defTabSz="914400" rtl="0" eaLnBrk="1" latinLnBrk="0" hangingPunct="1">
+      <a:defRPr sz="1200" kern="1200">
+        <a:solidFill>
+          <a:schemeClr val="tx1"/>
+        </a:solidFill>
+        <a:latin typeface="+mn-lt"/>
+        <a:ea typeface="+mn-ea"/>
+        <a:cs typeface="+mn-cs"/>
+      </a:defRPr>
+    </a:lvl4pPr>
+    <a:lvl5pPr marL="1828800" algn="l" defTabSz="914400" rtl="0" eaLnBrk="1" latinLnBrk="0" hangingPunct="1">
+      <a:defRPr sz="1200" kern="1200">
+        <a:solidFill>
+          <a:schemeClr val="tx1"/>
+        </a:solidFill>
+        <a:latin typeface="+mn-lt"/>
+        <a:ea typeface="+mn-ea"/>
+        <a:cs typeface="+mn-cs"/>
+      </a:defRPr>
+    </a:lvl5pPr>
+    <a:lvl6pPr marL="2286000" algn="l" defTabSz="914400" rtl="0" eaLnBrk="1" latinLnBrk="0" hangingPunct="1">
+      <a:defRPr sz="1200" kern="1200">
+        <a:solidFill>
+          <a:schemeClr val="tx1"/>
+        </a:solidFill>
+        <a:latin typeface="+mn-lt"/>
+        <a:ea typeface="+mn-ea"/>
+        <a:cs typeface="+mn-cs"/>
+      </a:defRPr>
+    </a:lvl6pPr>
+    <a:lvl7pPr marL="2743200" algn="l" defTabSz="914400" rtl="0" eaLnBrk="1" latinLnBrk="0" hangingPunct="1">
+      <a:defRPr sz="1200" kern="1200">
+        <a:solidFill>
+          <a:schemeClr val="tx1"/>
+        </a:solidFill>
+        <a:latin typeface="+mn-lt"/>
+        <a:ea typeface="+mn-ea"/>
+        <a:cs typeface="+mn-cs"/>
+      </a:defRPr>
+    </a:lvl7pPr>
+    <a:lvl8pPr marL="3200400" algn="l" defTabSz="914400" rtl="0" eaLnBrk="1" latinLnBrk="0" hangingPunct="1">
+      <a:defRPr sz="1200" kern="1200">
+        <a:solidFill>
+          <a:schemeClr val="tx1"/>
+        </a:solidFill>
+        <a:latin typeface="+mn-lt"/>
+        <a:ea typeface="+mn-ea"/>
+        <a:cs typeface="+mn-cs"/>
+      </a:defRPr>
+    </a:lvl8pPr>
+    <a:lvl9pPr marL="3657600" algn="l" defTabSz="914400" rtl="0" eaLnBrk="1" latinLnBrk="0" hangingPunct="1">
+      <a:defRPr sz="1200" kern="1200">
+        <a:solidFill>
+          <a:schemeClr val="tx1"/>
+        </a:solidFill>
+        <a:latin typeface="+mn-lt"/>
+        <a:ea typeface="+mn-ea"/>
+        <a:cs typeface="+mn-cs"/>
+      </a:defRPr>
+    </a:lvl9pPr>
+  </p:notesStyle>
+</p:notesMaster>
+</file>
+
+<file path=ppt/notesSlides/notesSlide1.xml><?xml version="1.0" encoding="utf-8"?>
+<p:notes xmlns:a="http://schemas.openxmlformats.org/drawingml/2006/main" xmlns:r="http://schemas.openxmlformats.org/officeDocument/2006/relationships" xmlns:p="http://schemas.openxmlformats.org/presentationml/2006/main">
+  <p:cSld>
+    <p:spTree>
+      <p:nvGrpSpPr>
+        <p:cNvPr id="1" name=""/>
+        <p:cNvGrpSpPr/>
+        <p:nvPr/>
+      </p:nvGrpSpPr>
+      <p:grpSpPr>
+        <a:xfrm>
+          <a:off x="0" y="0"/>
+          <a:ext cx="0" cy="0"/>
+          <a:chOff x="0" y="0"/>
+          <a:chExt cx="0" cy="0"/>
+        </a:xfrm>
+      </p:grpSpPr>
+      <p:sp>
+        <p:nvSpPr>
+          <p:cNvPr id="2" name="幻灯片图像占位符 1"/>
+          <p:cNvSpPr>
+            <a:spLocks noGrp="1" noRot="1" noChangeAspect="1"/>
+          </p:cNvSpPr>
+          <p:nvPr>
+            <p:ph type="sldImg"/>
+          </p:nvPr>
+        </p:nvSpPr>
+        <p:spPr/>
+      </p:sp>
+      <p:sp>
+        <p:nvSpPr>
+          <p:cNvPr id="3" name="备注占位符 2"/>
+          <p:cNvSpPr>
+            <a:spLocks noGrp="1"/>
+          </p:cNvSpPr>
+          <p:nvPr>
+            <p:ph type="body" idx="1"/>
+          </p:nvPr>
+        </p:nvSpPr>
+        <p:spPr/>
+        <p:txBody>
+          <a:bodyPr/>
+          <a:lstStyle/>
+          <a:p>
+            <a:endParaRPr lang="zh-CN" altLang="en-US"/>
+          </a:p>
+        </p:txBody>
+      </p:sp>
+      <p:sp>
+        <p:nvSpPr>
+          <p:cNvPr id="4" name="灯片编号占位符 3"/>
+          <p:cNvSpPr>
+            <a:spLocks noGrp="1"/>
+          </p:cNvSpPr>
+          <p:nvPr>
+            <p:ph type="sldNum" sz="quarter" idx="10"/>
+          </p:nvPr>
+        </p:nvSpPr>
+        <p:spPr/>
+        <p:txBody>
+          <a:bodyPr/>
+          <a:lstStyle/>
+          <a:p>
+            <a:fld id="{53B991D2-B713-45A5-A483-C1D50CE19BD7}" type="slidenum">
+              <a:rPr lang="zh-CN" altLang="en-US" smtClean="0"/>
+              <a:t>1</a:t>
+            </a:fld>
+            <a:endParaRPr lang="zh-CN" altLang="en-US"/>
+          </a:p>
+        </p:txBody>
+      </p:sp>
+    </p:spTree>
+    <p:extLst>
+      <p:ext uri="{BB962C8B-B14F-4D97-AF65-F5344CB8AC3E}">
+        <p14:creationId xmlns:p14="http://schemas.microsoft.com/office/powerpoint/2010/main" val="1042898120"/>
+      </p:ext>
+    </p:extLst>
+  </p:cSld>
+  <p:clrMapOvr>
+    <a:masterClrMapping/>
+  </p:clrMapOvr>
+</p:notes>
+</file>
+
+<file path=ppt/notesSlides/notesSlide2.xml><?xml version="1.0" encoding="utf-8"?>
+<p:notes xmlns:a="http://schemas.openxmlformats.org/drawingml/2006/main" xmlns:r="http://schemas.openxmlformats.org/officeDocument/2006/relationships" xmlns:p="http://schemas.openxmlformats.org/presentationml/2006/main">
+  <p:cSld>
+    <p:spTree>
+      <p:nvGrpSpPr>
+        <p:cNvPr id="1" name=""/>
+        <p:cNvGrpSpPr/>
+        <p:nvPr/>
+      </p:nvGrpSpPr>
+      <p:grpSpPr>
+        <a:xfrm>
+          <a:off x="0" y="0"/>
+          <a:ext cx="0" cy="0"/>
+          <a:chOff x="0" y="0"/>
+          <a:chExt cx="0" cy="0"/>
+        </a:xfrm>
+      </p:grpSpPr>
+      <p:sp>
+        <p:nvSpPr>
+          <p:cNvPr id="2" name="幻灯片图像占位符 1"/>
+          <p:cNvSpPr>
+            <a:spLocks noGrp="1" noRot="1" noChangeAspect="1"/>
+          </p:cNvSpPr>
+          <p:nvPr>
+            <p:ph type="sldImg"/>
+          </p:nvPr>
+        </p:nvSpPr>
+        <p:spPr/>
+      </p:sp>
+      <p:sp>
+        <p:nvSpPr>
+          <p:cNvPr id="3" name="备注占位符 2"/>
+          <p:cNvSpPr>
+            <a:spLocks noGrp="1"/>
+          </p:cNvSpPr>
+          <p:nvPr>
+            <p:ph type="body" idx="1"/>
+          </p:nvPr>
+        </p:nvSpPr>
+        <p:spPr/>
+        <p:txBody>
+          <a:bodyPr/>
+          <a:lstStyle/>
+          <a:p>
+            <a:endParaRPr lang="zh-CN" altLang="en-US"/>
+          </a:p>
+        </p:txBody>
+      </p:sp>
+      <p:sp>
+        <p:nvSpPr>
+          <p:cNvPr id="4" name="灯片编号占位符 3"/>
+          <p:cNvSpPr>
+            <a:spLocks noGrp="1"/>
+          </p:cNvSpPr>
+          <p:nvPr>
+            <p:ph type="sldNum" sz="quarter" idx="10"/>
+          </p:nvPr>
+        </p:nvSpPr>
+        <p:spPr/>
+        <p:txBody>
+          <a:bodyPr/>
+          <a:lstStyle/>
+          <a:p>
+            <a:fld id="{53B991D2-B713-45A5-A483-C1D50CE19BD7}" type="slidenum">
+              <a:rPr lang="zh-CN" altLang="en-US" smtClean="0"/>
+              <a:t>2</a:t>
+            </a:fld>
+            <a:endParaRPr lang="zh-CN" altLang="en-US"/>
+          </a:p>
+        </p:txBody>
+      </p:sp>
+    </p:spTree>
+    <p:extLst>
+      <p:ext uri="{BB962C8B-B14F-4D97-AF65-F5344CB8AC3E}">
+        <p14:creationId xmlns:p14="http://schemas.microsoft.com/office/powerpoint/2010/main" val="3323409630"/>
+      </p:ext>
+    </p:extLst>
+  </p:cSld>
+  <p:clrMapOvr>
+    <a:masterClrMapping/>
+  </p:clrMapOvr>
+</p:notes>
+</file>
+
+<file path=ppt/notesSlides/notesSlide3.xml><?xml version="1.0" encoding="utf-8"?>
+<p:notes xmlns:a="http://schemas.openxmlformats.org/drawingml/2006/main" xmlns:r="http://schemas.openxmlformats.org/officeDocument/2006/relationships" xmlns:p="http://schemas.openxmlformats.org/presentationml/2006/main">
+  <p:cSld>
+    <p:spTree>
+      <p:nvGrpSpPr>
+        <p:cNvPr id="1" name=""/>
+        <p:cNvGrpSpPr/>
+        <p:nvPr/>
+      </p:nvGrpSpPr>
+      <p:grpSpPr>
+        <a:xfrm>
+          <a:off x="0" y="0"/>
+          <a:ext cx="0" cy="0"/>
+          <a:chOff x="0" y="0"/>
+          <a:chExt cx="0" cy="0"/>
+        </a:xfrm>
+      </p:grpSpPr>
+      <p:sp>
+        <p:nvSpPr>
+          <p:cNvPr id="2" name="幻灯片图像占位符 1"/>
+          <p:cNvSpPr>
+            <a:spLocks noGrp="1" noRot="1" noChangeAspect="1"/>
+          </p:cNvSpPr>
+          <p:nvPr>
+            <p:ph type="sldImg"/>
+          </p:nvPr>
+        </p:nvSpPr>
+        <p:spPr/>
+      </p:sp>
+      <p:sp>
+        <p:nvSpPr>
+          <p:cNvPr id="3" name="备注占位符 2"/>
+          <p:cNvSpPr>
+            <a:spLocks noGrp="1"/>
+          </p:cNvSpPr>
+          <p:nvPr>
+            <p:ph type="body" idx="1"/>
+          </p:nvPr>
+        </p:nvSpPr>
+        <p:spPr/>
+        <p:txBody>
+          <a:bodyPr/>
+          <a:lstStyle/>
+          <a:p>
+            <a:endParaRPr lang="zh-CN" altLang="en-US"/>
+          </a:p>
+        </p:txBody>
+      </p:sp>
+      <p:sp>
+        <p:nvSpPr>
+          <p:cNvPr id="4" name="灯片编号占位符 3"/>
+          <p:cNvSpPr>
+            <a:spLocks noGrp="1"/>
+          </p:cNvSpPr>
+          <p:nvPr>
+            <p:ph type="sldNum" sz="quarter" idx="10"/>
+          </p:nvPr>
+        </p:nvSpPr>
+        <p:spPr/>
+        <p:txBody>
+          <a:bodyPr/>
+          <a:lstStyle/>
+          <a:p>
+            <a:fld id="{53B991D2-B713-45A5-A483-C1D50CE19BD7}" type="slidenum">
+              <a:rPr lang="zh-CN" altLang="en-US" smtClean="0"/>
+              <a:t>3</a:t>
+            </a:fld>
+            <a:endParaRPr lang="zh-CN" altLang="en-US"/>
+          </a:p>
+        </p:txBody>
+      </p:sp>
+    </p:spTree>
+    <p:extLst>
+      <p:ext uri="{BB962C8B-B14F-4D97-AF65-F5344CB8AC3E}">
+        <p14:creationId xmlns:p14="http://schemas.microsoft.com/office/powerpoint/2010/main" val="1350751163"/>
+      </p:ext>
+    </p:extLst>
+  </p:cSld>
+  <p:clrMapOvr>
+    <a:masterClrMapping/>
+  </p:clrMapOvr>
+</p:notes>
+</file>
+
+<file path=ppt/notesSlides/notesSlide4.xml><?xml version="1.0" encoding="utf-8"?>
+<p:notes xmlns:a="http://schemas.openxmlformats.org/drawingml/2006/main" xmlns:r="http://schemas.openxmlformats.org/officeDocument/2006/relationships" xmlns:p="http://schemas.openxmlformats.org/presentationml/2006/main">
+  <p:cSld>
+    <p:spTree>
+      <p:nvGrpSpPr>
+        <p:cNvPr id="1" name=""/>
+        <p:cNvGrpSpPr/>
+        <p:nvPr/>
+      </p:nvGrpSpPr>
+      <p:grpSpPr>
+        <a:xfrm>
+          <a:off x="0" y="0"/>
+          <a:ext cx="0" cy="0"/>
+          <a:chOff x="0" y="0"/>
+          <a:chExt cx="0" cy="0"/>
+        </a:xfrm>
+      </p:grpSpPr>
+      <p:sp>
+        <p:nvSpPr>
+          <p:cNvPr id="2" name="幻灯片图像占位符 1"/>
+          <p:cNvSpPr>
+            <a:spLocks noGrp="1" noRot="1" noChangeAspect="1"/>
+          </p:cNvSpPr>
+          <p:nvPr>
+            <p:ph type="sldImg"/>
+          </p:nvPr>
+        </p:nvSpPr>
+        <p:spPr/>
+      </p:sp>
+      <p:sp>
+        <p:nvSpPr>
+          <p:cNvPr id="3" name="备注占位符 2"/>
+          <p:cNvSpPr>
+            <a:spLocks noGrp="1"/>
+          </p:cNvSpPr>
+          <p:nvPr>
+            <p:ph type="body" idx="1"/>
+          </p:nvPr>
+        </p:nvSpPr>
+        <p:spPr/>
+        <p:txBody>
+          <a:bodyPr/>
+          <a:lstStyle/>
+          <a:p>
+            <a:endParaRPr lang="zh-CN" altLang="en-US"/>
+          </a:p>
+        </p:txBody>
+      </p:sp>
+      <p:sp>
+        <p:nvSpPr>
+          <p:cNvPr id="4" name="灯片编号占位符 3"/>
+          <p:cNvSpPr>
+            <a:spLocks noGrp="1"/>
+          </p:cNvSpPr>
+          <p:nvPr>
+            <p:ph type="sldNum" sz="quarter" idx="10"/>
+          </p:nvPr>
+        </p:nvSpPr>
+        <p:spPr/>
+        <p:txBody>
+          <a:bodyPr/>
+          <a:lstStyle/>
+          <a:p>
+            <a:fld id="{53B991D2-B713-45A5-A483-C1D50CE19BD7}" type="slidenum">
+              <a:rPr lang="zh-CN" altLang="en-US" smtClean="0"/>
+              <a:t>4</a:t>
+            </a:fld>
+            <a:endParaRPr lang="zh-CN" altLang="en-US"/>
+          </a:p>
+        </p:txBody>
+      </p:sp>
+    </p:spTree>
+    <p:extLst>
+      <p:ext uri="{BB962C8B-B14F-4D97-AF65-F5344CB8AC3E}">
+        <p14:creationId xmlns:p14="http://schemas.microsoft.com/office/powerpoint/2010/main" val="3710359525"/>
+      </p:ext>
+    </p:extLst>
+  </p:cSld>
+  <p:clrMapOvr>
+    <a:masterClrMapping/>
+  </p:clrMapOvr>
+</p:notes>
+</file>
+
+<file path=ppt/notesSlides/notesSlide5.xml><?xml version="1.0" encoding="utf-8"?>
+<p:notes xmlns:a="http://schemas.openxmlformats.org/drawingml/2006/main" xmlns:r="http://schemas.openxmlformats.org/officeDocument/2006/relationships" xmlns:p="http://schemas.openxmlformats.org/presentationml/2006/main">
+  <p:cSld>
+    <p:spTree>
+      <p:nvGrpSpPr>
+        <p:cNvPr id="1" name=""/>
+        <p:cNvGrpSpPr/>
+        <p:nvPr/>
+      </p:nvGrpSpPr>
+      <p:grpSpPr>
+        <a:xfrm>
+          <a:off x="0" y="0"/>
+          <a:ext cx="0" cy="0"/>
+          <a:chOff x="0" y="0"/>
+          <a:chExt cx="0" cy="0"/>
+        </a:xfrm>
+      </p:grpSpPr>
+      <p:sp>
+        <p:nvSpPr>
+          <p:cNvPr id="2" name="幻灯片图像占位符 1"/>
+          <p:cNvSpPr>
+            <a:spLocks noGrp="1" noRot="1" noChangeAspect="1"/>
+          </p:cNvSpPr>
+          <p:nvPr>
+            <p:ph type="sldImg"/>
+          </p:nvPr>
+        </p:nvSpPr>
+        <p:spPr/>
+      </p:sp>
+      <p:sp>
+        <p:nvSpPr>
+          <p:cNvPr id="3" name="备注占位符 2"/>
+          <p:cNvSpPr>
+            <a:spLocks noGrp="1"/>
+          </p:cNvSpPr>
+          <p:nvPr>
+            <p:ph type="body" idx="1"/>
+          </p:nvPr>
+        </p:nvSpPr>
+        <p:spPr/>
+        <p:txBody>
+          <a:bodyPr/>
+          <a:lstStyle/>
+          <a:p>
+            <a:endParaRPr lang="zh-CN" altLang="en-US"/>
+          </a:p>
+        </p:txBody>
+      </p:sp>
+      <p:sp>
+        <p:nvSpPr>
+          <p:cNvPr id="4" name="灯片编号占位符 3"/>
+          <p:cNvSpPr>
+            <a:spLocks noGrp="1"/>
+          </p:cNvSpPr>
+          <p:nvPr>
+            <p:ph type="sldNum" sz="quarter" idx="10"/>
+          </p:nvPr>
+        </p:nvSpPr>
+        <p:spPr/>
+        <p:txBody>
+          <a:bodyPr/>
+          <a:lstStyle/>
+          <a:p>
+            <a:fld id="{53B991D2-B713-45A5-A483-C1D50CE19BD7}" type="slidenum">
+              <a:rPr lang="zh-CN" altLang="en-US" smtClean="0"/>
+              <a:t>5</a:t>
+            </a:fld>
+            <a:endParaRPr lang="zh-CN" altLang="en-US"/>
+          </a:p>
+        </p:txBody>
+      </p:sp>
+    </p:spTree>
+    <p:extLst>
+      <p:ext uri="{BB962C8B-B14F-4D97-AF65-F5344CB8AC3E}">
+        <p14:creationId xmlns:p14="http://schemas.microsoft.com/office/powerpoint/2010/main" val="3778798106"/>
+      </p:ext>
+    </p:extLst>
+  </p:cSld>
+  <p:clrMapOvr>
+    <a:masterClrMapping/>
+  </p:clrMapOvr>
+</p:notes>
+</file>
+
+<file path=ppt/notesSlides/notesSlide6.xml><?xml version="1.0" encoding="utf-8"?>
+<p:notes xmlns:a="http://schemas.openxmlformats.org/drawingml/2006/main" xmlns:r="http://schemas.openxmlformats.org/officeDocument/2006/relationships" xmlns:p="http://schemas.openxmlformats.org/presentationml/2006/main">
+  <p:cSld>
+    <p:spTree>
+      <p:nvGrpSpPr>
+        <p:cNvPr id="1" name=""/>
+        <p:cNvGrpSpPr/>
+        <p:nvPr/>
+      </p:nvGrpSpPr>
+      <p:grpSpPr>
+        <a:xfrm>
+          <a:off x="0" y="0"/>
+          <a:ext cx="0" cy="0"/>
+          <a:chOff x="0" y="0"/>
+          <a:chExt cx="0" cy="0"/>
+        </a:xfrm>
+      </p:grpSpPr>
+      <p:sp>
+        <p:nvSpPr>
+          <p:cNvPr id="2" name="幻灯片图像占位符 1"/>
+          <p:cNvSpPr>
+            <a:spLocks noGrp="1" noRot="1" noChangeAspect="1"/>
+          </p:cNvSpPr>
+          <p:nvPr>
+            <p:ph type="sldImg"/>
+          </p:nvPr>
+        </p:nvSpPr>
+        <p:spPr/>
+      </p:sp>
+      <p:sp>
+        <p:nvSpPr>
+          <p:cNvPr id="3" name="备注占位符 2"/>
+          <p:cNvSpPr>
+            <a:spLocks noGrp="1"/>
+          </p:cNvSpPr>
+          <p:nvPr>
+            <p:ph type="body" idx="1"/>
+          </p:nvPr>
+        </p:nvSpPr>
+        <p:spPr/>
+        <p:txBody>
+          <a:bodyPr/>
+          <a:lstStyle/>
+          <a:p>
+            <a:endParaRPr lang="zh-CN" altLang="en-US"/>
+          </a:p>
+        </p:txBody>
+      </p:sp>
+      <p:sp>
+        <p:nvSpPr>
+          <p:cNvPr id="4" name="灯片编号占位符 3"/>
+          <p:cNvSpPr>
+            <a:spLocks noGrp="1"/>
+          </p:cNvSpPr>
+          <p:nvPr>
+            <p:ph type="sldNum" sz="quarter" idx="10"/>
+          </p:nvPr>
+        </p:nvSpPr>
+        <p:spPr/>
+        <p:txBody>
+          <a:bodyPr/>
+          <a:lstStyle/>
+          <a:p>
+            <a:fld id="{53B991D2-B713-45A5-A483-C1D50CE19BD7}" type="slidenum">
+              <a:rPr lang="zh-CN" altLang="en-US" smtClean="0"/>
+              <a:t>6</a:t>
+            </a:fld>
+            <a:endParaRPr lang="zh-CN" altLang="en-US"/>
+          </a:p>
+        </p:txBody>
+      </p:sp>
+    </p:spTree>
+    <p:extLst>
+      <p:ext uri="{BB962C8B-B14F-4D97-AF65-F5344CB8AC3E}">
+        <p14:creationId xmlns:p14="http://schemas.microsoft.com/office/powerpoint/2010/main" val="2395785207"/>
+      </p:ext>
+    </p:extLst>
+  </p:cSld>
+  <p:clrMapOvr>
+    <a:masterClrMapping/>
+  </p:clrMapOvr>
+</p:notes>
+</file>
+
+<file path=ppt/notesSlides/notesSlide7.xml><?xml version="1.0" encoding="utf-8"?>
+<p:notes xmlns:a="http://schemas.openxmlformats.org/drawingml/2006/main" xmlns:r="http://schemas.openxmlformats.org/officeDocument/2006/relationships" xmlns:p="http://schemas.openxmlformats.org/presentationml/2006/main">
+  <p:cSld>
+    <p:spTree>
+      <p:nvGrpSpPr>
+        <p:cNvPr id="1" name=""/>
+        <p:cNvGrpSpPr/>
+        <p:nvPr/>
+      </p:nvGrpSpPr>
+      <p:grpSpPr>
+        <a:xfrm>
+          <a:off x="0" y="0"/>
+          <a:ext cx="0" cy="0"/>
+          <a:chOff x="0" y="0"/>
+          <a:chExt cx="0" cy="0"/>
+        </a:xfrm>
+      </p:grpSpPr>
+      <p:sp>
+        <p:nvSpPr>
+          <p:cNvPr id="2" name="幻灯片图像占位符 1"/>
+          <p:cNvSpPr>
+            <a:spLocks noGrp="1" noRot="1" noChangeAspect="1"/>
+          </p:cNvSpPr>
+          <p:nvPr>
+            <p:ph type="sldImg"/>
+          </p:nvPr>
+        </p:nvSpPr>
+        <p:spPr/>
+      </p:sp>
+      <p:sp>
+        <p:nvSpPr>
+          <p:cNvPr id="3" name="备注占位符 2"/>
+          <p:cNvSpPr>
+            <a:spLocks noGrp="1"/>
+          </p:cNvSpPr>
+          <p:nvPr>
+            <p:ph type="body" idx="1"/>
+          </p:nvPr>
+        </p:nvSpPr>
+        <p:spPr/>
+        <p:txBody>
+          <a:bodyPr/>
+          <a:lstStyle/>
+          <a:p>
+            <a:endParaRPr lang="zh-CN" altLang="en-US"/>
+          </a:p>
+        </p:txBody>
+      </p:sp>
+      <p:sp>
+        <p:nvSpPr>
+          <p:cNvPr id="4" name="灯片编号占位符 3"/>
+          <p:cNvSpPr>
+            <a:spLocks noGrp="1"/>
+          </p:cNvSpPr>
+          <p:nvPr>
+            <p:ph type="sldNum" sz="quarter" idx="10"/>
+          </p:nvPr>
+        </p:nvSpPr>
+        <p:spPr/>
+        <p:txBody>
+          <a:bodyPr/>
+          <a:lstStyle/>
+          <a:p>
+            <a:fld id="{53B991D2-B713-45A5-A483-C1D50CE19BD7}" type="slidenum">
+              <a:rPr lang="zh-CN" altLang="en-US" smtClean="0"/>
+              <a:t>7</a:t>
+            </a:fld>
+            <a:endParaRPr lang="zh-CN" altLang="en-US"/>
+          </a:p>
+        </p:txBody>
+      </p:sp>
+    </p:spTree>
+    <p:extLst>
+      <p:ext uri="{BB962C8B-B14F-4D97-AF65-F5344CB8AC3E}">
+        <p14:creationId xmlns:p14="http://schemas.microsoft.com/office/powerpoint/2010/main" val="1531796222"/>
+      </p:ext>
+    </p:extLst>
+  </p:cSld>
+  <p:clrMapOvr>
+    <a:masterClrMapping/>
+  </p:clrMapOvr>
+</p:notes>
+</file>
+
+<file path=ppt/notesSlides/notesSlide8.xml><?xml version="1.0" encoding="utf-8"?>
+<p:notes xmlns:a="http://schemas.openxmlformats.org/drawingml/2006/main" xmlns:r="http://schemas.openxmlformats.org/officeDocument/2006/relationships" xmlns:p="http://schemas.openxmlformats.org/presentationml/2006/main">
+  <p:cSld>
+    <p:spTree>
+      <p:nvGrpSpPr>
+        <p:cNvPr id="1" name=""/>
+        <p:cNvGrpSpPr/>
+        <p:nvPr/>
+      </p:nvGrpSpPr>
+      <p:grpSpPr>
+        <a:xfrm>
+          <a:off x="0" y="0"/>
+          <a:ext cx="0" cy="0"/>
+          <a:chOff x="0" y="0"/>
+          <a:chExt cx="0" cy="0"/>
+        </a:xfrm>
+      </p:grpSpPr>
+      <p:sp>
+        <p:nvSpPr>
+          <p:cNvPr id="2" name="幻灯片图像占位符 1"/>
+          <p:cNvSpPr>
+            <a:spLocks noGrp="1" noRot="1" noChangeAspect="1"/>
+          </p:cNvSpPr>
+          <p:nvPr>
+            <p:ph type="sldImg"/>
+          </p:nvPr>
+        </p:nvSpPr>
+        <p:spPr/>
+      </p:sp>
+      <p:sp>
+        <p:nvSpPr>
+          <p:cNvPr id="3" name="备注占位符 2"/>
+          <p:cNvSpPr>
+            <a:spLocks noGrp="1"/>
+          </p:cNvSpPr>
+          <p:nvPr>
+            <p:ph type="body" idx="1"/>
+          </p:nvPr>
+        </p:nvSpPr>
+        <p:spPr/>
+        <p:txBody>
+          <a:bodyPr/>
+          <a:lstStyle/>
+          <a:p>
+            <a:endParaRPr lang="zh-CN" altLang="en-US"/>
+          </a:p>
+        </p:txBody>
+      </p:sp>
+      <p:sp>
+        <p:nvSpPr>
+          <p:cNvPr id="4" name="灯片编号占位符 3"/>
+          <p:cNvSpPr>
+            <a:spLocks noGrp="1"/>
+          </p:cNvSpPr>
+          <p:nvPr>
+            <p:ph type="sldNum" sz="quarter" idx="10"/>
+          </p:nvPr>
+        </p:nvSpPr>
+        <p:spPr/>
+        <p:txBody>
+          <a:bodyPr/>
+          <a:lstStyle/>
+          <a:p>
+            <a:fld id="{53B991D2-B713-45A5-A483-C1D50CE19BD7}" type="slidenum">
+              <a:rPr lang="zh-CN" altLang="en-US" smtClean="0"/>
+              <a:t>8</a:t>
+            </a:fld>
+            <a:endParaRPr lang="zh-CN" altLang="en-US"/>
+          </a:p>
+        </p:txBody>
+      </p:sp>
+    </p:spTree>
+    <p:extLst>
+      <p:ext uri="{BB962C8B-B14F-4D97-AF65-F5344CB8AC3E}">
+        <p14:creationId xmlns:p14="http://schemas.microsoft.com/office/powerpoint/2010/main" val="45353224"/>
+      </p:ext>
+    </p:extLst>
+  </p:cSld>
+  <p:clrMapOvr>
+    <a:masterClrMapping/>
+  </p:clrMapOvr>
+</p:notes>
+</file>
+
 <file path=ppt/slideLayouts/slideLayout1.xml><?xml version="1.0" encoding="utf-8"?>
 <p:sldLayout xmlns:a="http://schemas.openxmlformats.org/drawingml/2006/main" xmlns:r="http://schemas.openxmlformats.org/officeDocument/2006/relationships" xmlns:p="http://schemas.openxmlformats.org/presentationml/2006/main" showMasterSp="0" type="title" preserve="1">
   <p:cSld name="标题幻灯片">
@@ -172,9 +1196,9 @@
           <a:bodyPr/>
           <a:lstStyle/>
           <a:p>
-            <a:fld id="{A0B36FB1-1A47-4AC9-B651-0B6061D57980}" type="datetimeFigureOut">
-              <a:rPr lang="zh-CN" altLang="en-US" smtClean="0"/>
-              <a:t>2014/11/3</a:t>
+            <a:fld id="{1D6B0A16-5ED3-4464-96A8-8DDE9724A43E}" type="datetime1">
+              <a:rPr lang="zh-CN" altLang="en-US" smtClean="0"/>
+              <a:t>2014/11/4</a:t>
             </a:fld>
             <a:endParaRPr lang="zh-CN" altLang="en-US"/>
           </a:p>
@@ -195,6 +1219,10 @@
           <a:bodyPr/>
           <a:lstStyle/>
           <a:p>
+            <a:r>
+              <a:rPr lang="en-US" altLang="zh-CN" smtClean="0"/>
+              <a:t>‹#›</a:t>
+            </a:r>
             <a:endParaRPr lang="zh-CN" altLang="en-US"/>
           </a:p>
         </p:txBody>
@@ -378,6 +1406,13 @@
   <p:clrMapOvr>
     <a:masterClrMapping/>
   </p:clrMapOvr>
+  <p:timing>
+    <p:tnLst>
+      <p:par>
+        <p:cTn id="1" dur="indefinite" restart="never" nodeType="tmRoot"/>
+      </p:par>
+    </p:tnLst>
+  </p:timing>
 </p:sldLayout>
 </file>
 
@@ -488,9 +1523,9 @@
           <a:bodyPr/>
           <a:lstStyle/>
           <a:p>
-            <a:fld id="{A0B36FB1-1A47-4AC9-B651-0B6061D57980}" type="datetimeFigureOut">
-              <a:rPr lang="zh-CN" altLang="en-US" smtClean="0"/>
-              <a:t>2014/11/3</a:t>
+            <a:fld id="{FCBA2E82-75FD-4B5F-B688-7A677353C43C}" type="datetime1">
+              <a:rPr lang="zh-CN" altLang="en-US" smtClean="0"/>
+              <a:t>2014/11/4</a:t>
             </a:fld>
             <a:endParaRPr lang="zh-CN" altLang="en-US"/>
           </a:p>
@@ -511,6 +1546,10 @@
           <a:bodyPr/>
           <a:lstStyle/>
           <a:p>
+            <a:r>
+              <a:rPr lang="en-US" altLang="zh-CN" smtClean="0"/>
+              <a:t>‹#›</a:t>
+            </a:r>
             <a:endParaRPr lang="zh-CN" altLang="en-US"/>
           </a:p>
         </p:txBody>
@@ -663,9 +1702,9 @@
           <a:bodyPr/>
           <a:lstStyle/>
           <a:p>
-            <a:fld id="{A0B36FB1-1A47-4AC9-B651-0B6061D57980}" type="datetimeFigureOut">
-              <a:rPr lang="zh-CN" altLang="en-US" smtClean="0"/>
-              <a:t>2014/11/3</a:t>
+            <a:fld id="{038D8B22-F5F7-4730-9B85-EC7E25F1C380}" type="datetime1">
+              <a:rPr lang="zh-CN" altLang="en-US" smtClean="0"/>
+              <a:t>2014/11/4</a:t>
             </a:fld>
             <a:endParaRPr lang="zh-CN" altLang="en-US"/>
           </a:p>
@@ -686,6 +1725,10 @@
           <a:bodyPr/>
           <a:lstStyle/>
           <a:p>
+            <a:r>
+              <a:rPr lang="en-US" altLang="zh-CN" smtClean="0"/>
+              <a:t>‹#›</a:t>
+            </a:r>
             <a:endParaRPr lang="zh-CN" altLang="en-US"/>
           </a:p>
         </p:txBody>
@@ -781,11 +1824,11 @@
           <a:bodyPr/>
           <a:lstStyle/>
           <a:p>
-            <a:fld id="{A0B36FB1-1A47-4AC9-B651-0B6061D57980}" type="datetimeFigureOut">
-              <a:rPr lang="zh-CN" altLang="en-US" smtClean="0"/>
-              <a:t>2014/11/3</a:t>
+            <a:fld id="{2E74BA77-5F33-4261-A8F9-B4298D4208A4}" type="datetime1">
+              <a:rPr lang="zh-CN" altLang="en-US" smtClean="0"/>
+              <a:t>2014/11/4</a:t>
             </a:fld>
-            <a:endParaRPr lang="zh-CN" altLang="en-US"/>
+            <a:endParaRPr lang="zh-CN" altLang="en-US" dirty="0"/>
           </a:p>
         </p:txBody>
       </p:sp>
@@ -802,32 +1845,45 @@
         <p:spPr/>
         <p:txBody>
           <a:bodyPr/>
-          <a:lstStyle/>
-          <a:p>
-            <a:endParaRPr lang="zh-CN" altLang="en-US"/>
-          </a:p>
-        </p:txBody>
-      </p:sp>
-      <p:sp>
-        <p:nvSpPr>
-          <p:cNvPr id="6" name="Slide Number Placeholder 5"/>
-          <p:cNvSpPr>
-            <a:spLocks noGrp="1"/>
-          </p:cNvSpPr>
-          <p:nvPr>
-            <p:ph type="sldNum" sz="quarter" idx="12"/>
-          </p:nvPr>
-        </p:nvSpPr>
-        <p:spPr/>
-        <p:txBody>
-          <a:bodyPr/>
-          <a:lstStyle/>
-          <a:p>
-            <a:fld id="{D3D2B04B-01A0-41A5-9383-DE17E8B0140C}" type="slidenum">
-              <a:rPr lang="zh-CN" altLang="en-US" smtClean="0"/>
+          <a:lstStyle>
+            <a:lvl1pPr>
+              <a:defRPr>
+                <a:solidFill>
+                  <a:schemeClr val="tx1"/>
+                </a:solidFill>
+              </a:defRPr>
+            </a:lvl1pPr>
+          </a:lstStyle>
+          <a:p>
+            <a:fld id="{6D393232-6E8E-4129-B1EC-642CD8051398}" type="slidenum">
+              <a:rPr lang="zh-CN" altLang="en-US" smtClean="0"/>
+              <a:pPr/>
               <a:t>‹#›</a:t>
             </a:fld>
-            <a:endParaRPr lang="zh-CN" altLang="en-US"/>
+            <a:endParaRPr lang="zh-CN" altLang="en-US" dirty="0"/>
+          </a:p>
+        </p:txBody>
+      </p:sp>
+      <p:sp>
+        <p:nvSpPr>
+          <p:cNvPr id="6" name="Slide Number Placeholder 5"/>
+          <p:cNvSpPr>
+            <a:spLocks noGrp="1"/>
+          </p:cNvSpPr>
+          <p:nvPr>
+            <p:ph type="sldNum" sz="quarter" idx="12"/>
+          </p:nvPr>
+        </p:nvSpPr>
+        <p:spPr/>
+        <p:txBody>
+          <a:bodyPr/>
+          <a:lstStyle/>
+          <a:p>
+            <a:fld id="{D3D2B04B-01A0-41A5-9383-DE17E8B0140C}" type="slidenum">
+              <a:rPr lang="zh-CN" altLang="en-US" smtClean="0"/>
+              <a:t>‹#›</a:t>
+            </a:fld>
+            <a:endParaRPr lang="zh-CN" altLang="en-US" dirty="0"/>
           </a:p>
         </p:txBody>
       </p:sp>
@@ -893,6 +1949,13 @@
   <p:clrMapOvr>
     <a:masterClrMapping/>
   </p:clrMapOvr>
+  <p:timing>
+    <p:tnLst>
+      <p:par>
+        <p:cTn id="1" dur="indefinite" restart="never" nodeType="tmRoot"/>
+      </p:par>
+    </p:tnLst>
+  </p:timing>
 </p:sldLayout>
 </file>
 
@@ -1079,9 +2142,9 @@
           <a:bodyPr/>
           <a:lstStyle/>
           <a:p>
-            <a:fld id="{A0B36FB1-1A47-4AC9-B651-0B6061D57980}" type="datetimeFigureOut">
-              <a:rPr lang="zh-CN" altLang="en-US" smtClean="0"/>
-              <a:t>2014/11/3</a:t>
+            <a:fld id="{9E293D64-1FE0-4BD7-AFA8-FBFDC713DA26}" type="datetime1">
+              <a:rPr lang="zh-CN" altLang="en-US" smtClean="0"/>
+              <a:t>2014/11/4</a:t>
             </a:fld>
             <a:endParaRPr lang="zh-CN" altLang="en-US"/>
           </a:p>
@@ -1102,6 +2165,10 @@
           <a:bodyPr/>
           <a:lstStyle/>
           <a:p>
+            <a:r>
+              <a:rPr lang="en-US" altLang="zh-CN" smtClean="0"/>
+              <a:t>‹#›</a:t>
+            </a:r>
             <a:endParaRPr lang="zh-CN" altLang="en-US"/>
           </a:p>
         </p:txBody>
@@ -1372,9 +2439,9 @@
           <a:bodyPr/>
           <a:lstStyle/>
           <a:p>
-            <a:fld id="{A0B36FB1-1A47-4AC9-B651-0B6061D57980}" type="datetimeFigureOut">
-              <a:rPr lang="zh-CN" altLang="en-US" smtClean="0"/>
-              <a:t>2014/11/3</a:t>
+            <a:fld id="{A41163E8-BCC4-472E-965B-0654679DC771}" type="datetime1">
+              <a:rPr lang="zh-CN" altLang="en-US" smtClean="0"/>
+              <a:t>2014/11/4</a:t>
             </a:fld>
             <a:endParaRPr lang="zh-CN" altLang="en-US"/>
           </a:p>
@@ -1395,6 +2462,10 @@
           <a:bodyPr/>
           <a:lstStyle/>
           <a:p>
+            <a:r>
+              <a:rPr lang="en-US" altLang="zh-CN" smtClean="0"/>
+              <a:t>‹#›</a:t>
+            </a:r>
             <a:endParaRPr lang="zh-CN" altLang="en-US"/>
           </a:p>
         </p:txBody>
@@ -1800,9 +2871,9 @@
           <a:bodyPr/>
           <a:lstStyle/>
           <a:p>
-            <a:fld id="{A0B36FB1-1A47-4AC9-B651-0B6061D57980}" type="datetimeFigureOut">
-              <a:rPr lang="zh-CN" altLang="en-US" smtClean="0"/>
-              <a:t>2014/11/3</a:t>
+            <a:fld id="{E673A2F7-84BB-4789-A6CE-C5A7A5F3C854}" type="datetime1">
+              <a:rPr lang="zh-CN" altLang="en-US" smtClean="0"/>
+              <a:t>2014/11/4</a:t>
             </a:fld>
             <a:endParaRPr lang="zh-CN" altLang="en-US"/>
           </a:p>
@@ -1823,6 +2894,10 @@
           <a:bodyPr/>
           <a:lstStyle/>
           <a:p>
+            <a:r>
+              <a:rPr lang="en-US" altLang="zh-CN" smtClean="0"/>
+              <a:t>‹#›</a:t>
+            </a:r>
             <a:endParaRPr lang="zh-CN" altLang="en-US"/>
           </a:p>
         </p:txBody>
@@ -1918,9 +2993,9 @@
           <a:bodyPr/>
           <a:lstStyle/>
           <a:p>
-            <a:fld id="{A0B36FB1-1A47-4AC9-B651-0B6061D57980}" type="datetimeFigureOut">
-              <a:rPr lang="zh-CN" altLang="en-US" smtClean="0"/>
-              <a:t>2014/11/3</a:t>
+            <a:fld id="{2B8349EA-7360-47AF-996D-2FEAB678B789}" type="datetime1">
+              <a:rPr lang="zh-CN" altLang="en-US" smtClean="0"/>
+              <a:t>2014/11/4</a:t>
             </a:fld>
             <a:endParaRPr lang="zh-CN" altLang="en-US"/>
           </a:p>
@@ -1941,6 +3016,10 @@
           <a:bodyPr/>
           <a:lstStyle/>
           <a:p>
+            <a:r>
+              <a:rPr lang="en-US" altLang="zh-CN" smtClean="0"/>
+              <a:t>‹#›</a:t>
+            </a:r>
             <a:endParaRPr lang="zh-CN" altLang="en-US"/>
           </a:p>
         </p:txBody>
@@ -2008,9 +3087,9 @@
           <a:bodyPr/>
           <a:lstStyle/>
           <a:p>
-            <a:fld id="{A0B36FB1-1A47-4AC9-B651-0B6061D57980}" type="datetimeFigureOut">
-              <a:rPr lang="zh-CN" altLang="en-US" smtClean="0"/>
-              <a:t>2014/11/3</a:t>
+            <a:fld id="{B5CB696A-AC69-4026-B04A-E17909DDB3DB}" type="datetime1">
+              <a:rPr lang="zh-CN" altLang="en-US" smtClean="0"/>
+              <a:t>2014/11/4</a:t>
             </a:fld>
             <a:endParaRPr lang="zh-CN" altLang="en-US"/>
           </a:p>
@@ -2031,6 +3110,10 @@
           <a:bodyPr/>
           <a:lstStyle/>
           <a:p>
+            <a:r>
+              <a:rPr lang="en-US" altLang="zh-CN" smtClean="0"/>
+              <a:t>‹#›</a:t>
+            </a:r>
             <a:endParaRPr lang="zh-CN" altLang="en-US"/>
           </a:p>
         </p:txBody>
@@ -2258,9 +3341,9 @@
           <a:bodyPr/>
           <a:lstStyle/>
           <a:p>
-            <a:fld id="{A0B36FB1-1A47-4AC9-B651-0B6061D57980}" type="datetimeFigureOut">
-              <a:rPr lang="zh-CN" altLang="en-US" smtClean="0"/>
-              <a:t>2014/11/3</a:t>
+            <a:fld id="{86390D21-C591-4DAA-B764-C7748B4252C2}" type="datetime1">
+              <a:rPr lang="zh-CN" altLang="en-US" smtClean="0"/>
+              <a:t>2014/11/4</a:t>
             </a:fld>
             <a:endParaRPr lang="zh-CN" altLang="en-US"/>
           </a:p>
@@ -2281,6 +3364,10 @@
           <a:bodyPr/>
           <a:lstStyle/>
           <a:p>
+            <a:r>
+              <a:rPr lang="en-US" altLang="zh-CN" smtClean="0"/>
+              <a:t>‹#›</a:t>
+            </a:r>
             <a:endParaRPr lang="zh-CN" altLang="en-US"/>
           </a:p>
         </p:txBody>
@@ -2774,9 +3861,9 @@
           <a:bodyPr/>
           <a:lstStyle/>
           <a:p>
-            <a:fld id="{A0B36FB1-1A47-4AC9-B651-0B6061D57980}" type="datetimeFigureOut">
-              <a:rPr lang="zh-CN" altLang="en-US" smtClean="0"/>
-              <a:t>2014/11/3</a:t>
+            <a:fld id="{5EC6D15B-73EA-4D81-9D7D-C8CA36814A0C}" type="datetime1">
+              <a:rPr lang="zh-CN" altLang="en-US" smtClean="0"/>
+              <a:t>2014/11/4</a:t>
             </a:fld>
             <a:endParaRPr lang="zh-CN" altLang="en-US"/>
           </a:p>
@@ -2797,6 +3884,10 @@
           <a:bodyPr/>
           <a:lstStyle/>
           <a:p>
+            <a:r>
+              <a:rPr lang="en-US" altLang="zh-CN" smtClean="0"/>
+              <a:t>‹#›</a:t>
+            </a:r>
             <a:endParaRPr lang="zh-CN" altLang="en-US"/>
           </a:p>
         </p:txBody>
@@ -3004,9 +4095,9 @@
             </a:lvl1pPr>
           </a:lstStyle>
           <a:p>
-            <a:fld id="{A0B36FB1-1A47-4AC9-B651-0B6061D57980}" type="datetimeFigureOut">
-              <a:rPr lang="zh-CN" altLang="en-US" smtClean="0"/>
-              <a:t>2014/11/3</a:t>
+            <a:fld id="{99EE4C0E-0C5C-41BA-AC87-B04DA3158380}" type="datetime1">
+              <a:rPr lang="zh-CN" altLang="en-US" smtClean="0"/>
+              <a:t>2014/11/4</a:t>
             </a:fld>
             <a:endParaRPr lang="zh-CN" altLang="en-US"/>
           </a:p>
@@ -3043,6 +4134,10 @@
             </a:lvl1pPr>
           </a:lstStyle>
           <a:p>
+            <a:r>
+              <a:rPr lang="en-US" altLang="zh-CN" smtClean="0"/>
+              <a:t>‹#›</a:t>
+            </a:r>
             <a:endParaRPr lang="zh-CN" altLang="en-US"/>
           </a:p>
         </p:txBody>
@@ -3102,6 +4197,7 @@
     <p:sldLayoutId id="2147483670" r:id="rId10"/>
     <p:sldLayoutId id="2147483671" r:id="rId11"/>
   </p:sldLayoutIdLst>
+  <p:hf hdr="0" ftr="0" dt="0"/>
   <p:txStyles>
     <p:titleStyle>
       <a:lvl1pPr algn="l" defTabSz="914400" rtl="0" eaLnBrk="1" latinLnBrk="0" hangingPunct="1">
@@ -3566,6 +4662,29 @@
           </a:p>
         </p:txBody>
       </p:sp>
+      <p:sp>
+        <p:nvSpPr>
+          <p:cNvPr id="5" name="灯片编号占位符 4"/>
+          <p:cNvSpPr>
+            <a:spLocks noGrp="1"/>
+          </p:cNvSpPr>
+          <p:nvPr>
+            <p:ph type="sldNum" sz="quarter" idx="12"/>
+          </p:nvPr>
+        </p:nvSpPr>
+        <p:spPr/>
+        <p:txBody>
+          <a:bodyPr/>
+          <a:lstStyle/>
+          <a:p>
+            <a:fld id="{D3D2B04B-01A0-41A5-9383-DE17E8B0140C}" type="slidenum">
+              <a:rPr lang="zh-CN" altLang="en-US" smtClean="0"/>
+              <a:t>1</a:t>
+            </a:fld>
+            <a:endParaRPr lang="zh-CN" altLang="en-US"/>
+          </a:p>
+        </p:txBody>
+      </p:sp>
     </p:spTree>
     <p:extLst>
       <p:ext uri="{BB962C8B-B14F-4D97-AF65-F5344CB8AC3E}">
@@ -3642,6 +4761,13 @@
           <a:lstStyle/>
           <a:p>
             <a:r>
+              <a:rPr lang="zh-CN" altLang="en-US" dirty="0" smtClean="0"/>
+              <a:t>回顾</a:t>
+            </a:r>
+            <a:endParaRPr lang="en-US" altLang="zh-CN" dirty="0" smtClean="0"/>
+          </a:p>
+          <a:p>
+            <a:r>
               <a:rPr lang="en-US" altLang="zh-CN" dirty="0" smtClean="0"/>
               <a:t>Duration</a:t>
             </a:r>
@@ -3690,6 +4816,29 @@
             <a:endParaRPr lang="en-US" altLang="zh-CN" dirty="0" smtClean="0"/>
           </a:p>
           <a:p>
+            <a:endParaRPr lang="zh-CN" altLang="en-US" dirty="0"/>
+          </a:p>
+        </p:txBody>
+      </p:sp>
+      <p:sp>
+        <p:nvSpPr>
+          <p:cNvPr id="3" name="灯片编号占位符 2"/>
+          <p:cNvSpPr>
+            <a:spLocks noGrp="1"/>
+          </p:cNvSpPr>
+          <p:nvPr>
+            <p:ph type="sldNum" sz="quarter" idx="12"/>
+          </p:nvPr>
+        </p:nvSpPr>
+        <p:spPr/>
+        <p:txBody>
+          <a:bodyPr/>
+          <a:lstStyle/>
+          <a:p>
+            <a:fld id="{D3D2B04B-01A0-41A5-9383-DE17E8B0140C}" type="slidenum">
+              <a:rPr lang="zh-CN" altLang="en-US" smtClean="0"/>
+              <a:t>2</a:t>
+            </a:fld>
             <a:endParaRPr lang="zh-CN" altLang="en-US" dirty="0"/>
           </a:p>
         </p:txBody>
@@ -3747,12 +4896,8 @@
           <a:lstStyle/>
           <a:p>
             <a:r>
-              <a:rPr lang="en-US" altLang="zh-CN" dirty="0" smtClean="0"/>
-              <a:t>Duration</a:t>
-            </a:r>
-            <a:r>
               <a:rPr lang="zh-CN" altLang="en-US" dirty="0" smtClean="0"/>
-              <a:t>分布实验</a:t>
+              <a:t>回顾</a:t>
             </a:r>
             <a:endParaRPr lang="zh-CN" altLang="en-US" dirty="0"/>
           </a:p>
@@ -3760,7 +4905,30 @@
       </p:sp>
       <p:sp>
         <p:nvSpPr>
-          <p:cNvPr id="3" name="内容占位符 2"/>
+          <p:cNvPr id="3" name="灯片编号占位符 2"/>
+          <p:cNvSpPr>
+            <a:spLocks noGrp="1"/>
+          </p:cNvSpPr>
+          <p:nvPr>
+            <p:ph type="sldNum" sz="quarter" idx="12"/>
+          </p:nvPr>
+        </p:nvSpPr>
+        <p:spPr/>
+        <p:txBody>
+          <a:bodyPr/>
+          <a:lstStyle/>
+          <a:p>
+            <a:fld id="{D3D2B04B-01A0-41A5-9383-DE17E8B0140C}" type="slidenum">
+              <a:rPr lang="zh-CN" altLang="en-US" smtClean="0"/>
+              <a:t>3</a:t>
+            </a:fld>
+            <a:endParaRPr lang="zh-CN" altLang="en-US" dirty="0"/>
+          </a:p>
+        </p:txBody>
+      </p:sp>
+      <p:sp>
+        <p:nvSpPr>
+          <p:cNvPr id="4" name="内容占位符 3"/>
           <p:cNvSpPr>
             <a:spLocks noGrp="1"/>
           </p:cNvSpPr>
@@ -3768,122 +4936,80 @@
             <p:ph sz="quarter" idx="13"/>
           </p:nvPr>
         </p:nvSpPr>
-        <p:spPr/>
-        <p:txBody>
-          <a:bodyPr/>
-          <a:lstStyle/>
-          <a:p>
-            <a:pPr>
-              <a:buFont typeface="+mj-lt"/>
-              <a:buAutoNum type="arabicPeriod"/>
-            </a:pPr>
+        <p:spPr>
+          <a:xfrm>
+            <a:off x="609600" y="1600200"/>
+            <a:ext cx="5618584" cy="4114800"/>
+          </a:xfrm>
+        </p:spPr>
+        <p:txBody>
+          <a:bodyPr/>
+          <a:lstStyle/>
+          <a:p>
             <a:r>
               <a:rPr lang="zh-CN" altLang="en-US" dirty="0" smtClean="0"/>
-              <a:t>通过</a:t>
-            </a:r>
-            <a:r>
-              <a:rPr lang="en-US" altLang="zh-CN" dirty="0" smtClean="0"/>
-              <a:t>status</a:t>
-            </a:r>
+              <a:t>期望通过对现有的出租车运行轨迹数据的分析，发现出租车的行驶特征，并最终得到一个城市环境下的出租车移动模型。</a:t>
+            </a:r>
+            <a:endParaRPr lang="en-US" altLang="zh-CN" dirty="0" smtClean="0"/>
+          </a:p>
+          <a:p>
             <a:r>
               <a:rPr lang="zh-CN" altLang="en-US" dirty="0" smtClean="0"/>
-              <a:t>修正</a:t>
-            </a:r>
-            <a:r>
-              <a:rPr lang="en-US" altLang="zh-CN" dirty="0" smtClean="0"/>
-              <a:t>event</a:t>
-            </a:r>
+              <a:t>存在的问题</a:t>
+            </a:r>
+            <a:endParaRPr lang="en-US" altLang="zh-CN" dirty="0" smtClean="0"/>
           </a:p>
           <a:p>
             <a:pPr lvl="1"/>
             <a:r>
               <a:rPr lang="zh-CN" altLang="en-US" dirty="0" smtClean="0"/>
-              <a:t>存在</a:t>
-            </a:r>
-            <a:r>
-              <a:rPr lang="en-US" altLang="zh-CN" dirty="0" smtClean="0"/>
-              <a:t>status</a:t>
-            </a:r>
+              <a:t>在宏观层面上如何选择目的地不清晰</a:t>
+            </a:r>
+            <a:endParaRPr lang="en-US" altLang="zh-CN" dirty="0" smtClean="0"/>
+          </a:p>
+          <a:p>
+            <a:pPr lvl="1"/>
             <a:r>
               <a:rPr lang="zh-CN" altLang="en-US" dirty="0" smtClean="0"/>
-              <a:t>与</a:t>
-            </a:r>
-            <a:r>
-              <a:rPr lang="en-US" altLang="zh-CN" dirty="0" smtClean="0"/>
-              <a:t>event</a:t>
-            </a:r>
+              <a:t>在微观上没有结合道路特征，仿真轨迹与实际轨迹吻合度不高</a:t>
+            </a:r>
+            <a:endParaRPr lang="en-US" altLang="zh-CN" dirty="0" smtClean="0"/>
+          </a:p>
+          <a:p>
+            <a:pPr lvl="1"/>
             <a:r>
               <a:rPr lang="zh-CN" altLang="en-US" dirty="0" smtClean="0"/>
-              <a:t>不一致的情况，例如</a:t>
-            </a:r>
-            <a:r>
-              <a:rPr lang="en-US" altLang="zh-CN" dirty="0" smtClean="0"/>
-              <a:t>status=1,event=3.</a:t>
-            </a:r>
-          </a:p>
-          <a:p>
-            <a:pPr>
-              <a:buFont typeface="+mj-lt"/>
-              <a:buAutoNum type="arabicPeriod"/>
-            </a:pPr>
-            <a:r>
-              <a:rPr lang="zh-CN" altLang="en-US" dirty="0" smtClean="0"/>
-              <a:t>采用每</a:t>
-            </a:r>
-            <a:r>
-              <a:rPr lang="en-US" altLang="zh-CN" dirty="0" smtClean="0"/>
-              <a:t>20s</a:t>
-            </a:r>
-            <a:r>
-              <a:rPr lang="zh-CN" altLang="en-US" dirty="0" smtClean="0"/>
-              <a:t>算一个</a:t>
-            </a:r>
-            <a:r>
-              <a:rPr lang="en-US" altLang="zh-CN" dirty="0" smtClean="0"/>
-              <a:t>Duration</a:t>
-            </a:r>
-            <a:r>
-              <a:rPr lang="zh-CN" altLang="en-US" dirty="0" smtClean="0"/>
-              <a:t>出现的频度</a:t>
-            </a:r>
-            <a:endParaRPr lang="en-US" altLang="zh-CN" dirty="0" smtClean="0"/>
-          </a:p>
-          <a:p>
-            <a:pPr>
-              <a:buFont typeface="+mj-lt"/>
-              <a:buAutoNum type="arabicPeriod"/>
-            </a:pPr>
-            <a:r>
-              <a:rPr lang="zh-CN" altLang="en-US" dirty="0" smtClean="0"/>
-              <a:t>结果如下：</a:t>
-            </a:r>
-            <a:endParaRPr lang="en-US" altLang="zh-CN" dirty="0"/>
+              <a:t>统计结果存在明显的不合理</a:t>
+            </a:r>
+            <a:endParaRPr lang="zh-CN" altLang="en-US" dirty="0"/>
           </a:p>
         </p:txBody>
       </p:sp>
       <p:pic>
         <p:nvPicPr>
-          <p:cNvPr id="1026" name="Picture 2"/>
+          <p:cNvPr id="5" name="Picture 4" descr="K~CXI3TY1K$F1X~42NOECVB"/>
           <p:cNvPicPr>
             <a:picLocks noChangeAspect="1" noChangeArrowheads="1"/>
           </p:cNvPicPr>
           <p:nvPr/>
         </p:nvPicPr>
-        <p:blipFill rotWithShape="1">
-          <a:blip r:embed="rId2">
+        <p:blipFill>
+          <a:blip r:embed="rId3">
             <a:extLst>
               <a:ext uri="{28A0092B-C50C-407E-A947-70E740481C1C}">
                 <a14:useLocalDpi xmlns:a14="http://schemas.microsoft.com/office/drawing/2010/main" val="0"/>
               </a:ext>
             </a:extLst>
           </a:blip>
-          <a:srcRect l="7087" t="18023" r="40533" b="13313"/>
-          <a:stretch/>
+          <a:srcRect/>
+          <a:stretch>
+            <a:fillRect/>
+          </a:stretch>
         </p:blipFill>
         <p:spPr bwMode="auto">
           <a:xfrm>
-            <a:off x="2339752" y="2780929"/>
-            <a:ext cx="4362641" cy="3096344"/>
+            <a:off x="7122076" y="2136404"/>
+            <a:ext cx="1990282" cy="3407693"/>
           </a:xfrm>
           <a:prstGeom prst="rect">
             <a:avLst/>
@@ -3896,14 +5022,68 @@
             <a:ext uri="{909E8E84-426E-40DD-AFC4-6F175D3DCCD1}">
               <a14:hiddenFill xmlns:a14="http://schemas.microsoft.com/office/drawing/2010/main">
                 <a:solidFill>
-                  <a:schemeClr val="accent1"/>
+                  <a:srgbClr val="FFFFFF"/>
                 </a:solidFill>
               </a14:hiddenFill>
             </a:ext>
             <a:ext uri="{91240B29-F687-4F45-9708-019B960494DF}">
               <a14:hiddenLine xmlns:a14="http://schemas.microsoft.com/office/drawing/2010/main" w="9525">
                 <a:solidFill>
-                  <a:schemeClr val="tx1"/>
+                  <a:srgbClr val="000000"/>
+                </a:solidFill>
+                <a:miter lim="800000"/>
+                <a:headEnd/>
+                <a:tailEnd/>
+              </a14:hiddenLine>
+            </a:ext>
+          </a:extLst>
+        </p:spPr>
+      </p:pic>
+      <p:pic>
+        <p:nvPicPr>
+          <p:cNvPr id="6" name="Picture 4" descr="O2M5FA$~ERGP3XY1`9`LWKJ"/>
+          <p:cNvPicPr>
+            <a:picLocks noChangeAspect="1" noChangeArrowheads="1"/>
+          </p:cNvPicPr>
+          <p:nvPr/>
+        </p:nvPicPr>
+        <p:blipFill>
+          <a:blip r:embed="rId4">
+            <a:extLst>
+              <a:ext uri="{28A0092B-C50C-407E-A947-70E740481C1C}">
+                <a14:useLocalDpi xmlns:a14="http://schemas.microsoft.com/office/drawing/2010/main" val="0"/>
+              </a:ext>
+            </a:extLst>
+          </a:blip>
+          <a:srcRect/>
+          <a:stretch>
+            <a:fillRect/>
+          </a:stretch>
+        </p:blipFill>
+        <p:spPr bwMode="auto">
+          <a:xfrm>
+            <a:off x="3486701" y="4411239"/>
+            <a:ext cx="3635375" cy="2265715"/>
+          </a:xfrm>
+          <a:prstGeom prst="rect">
+            <a:avLst/>
+          </a:prstGeom>
+          <a:noFill/>
+          <a:ln>
+            <a:noFill/>
+          </a:ln>
+          <a:extLst>
+            <a:ext uri="{909E8E84-426E-40DD-AFC4-6F175D3DCCD1}">
+              <a14:hiddenFill xmlns:a14="http://schemas.microsoft.com/office/drawing/2010/main">
+                <a:solidFill>
+                  <a:srgbClr val="FFFFFF"/>
+                </a:solidFill>
+              </a14:hiddenFill>
+            </a:ext>
+            <a:ext uri="{91240B29-F687-4F45-9708-019B960494DF}">
+              <a14:hiddenLine xmlns:a14="http://schemas.microsoft.com/office/drawing/2010/main" w="9525">
+                <a:solidFill>
+                  <a:srgbClr val="000000"/>
                 </a:solidFill>
                 <a:miter lim="800000"/>
                 <a:headEnd/>
@@ -3916,20 +5096,13 @@
     </p:spTree>
     <p:extLst>
       <p:ext uri="{BB962C8B-B14F-4D97-AF65-F5344CB8AC3E}">
-        <p14:creationId xmlns:p14="http://schemas.microsoft.com/office/powerpoint/2010/main" val="2145084920"/>
+        <p14:creationId xmlns:p14="http://schemas.microsoft.com/office/powerpoint/2010/main" val="518301481"/>
       </p:ext>
     </p:extLst>
   </p:cSld>
   <p:clrMapOvr>
     <a:masterClrMapping/>
   </p:clrMapOvr>
-  <p:timing>
-    <p:tnLst>
-      <p:par>
-        <p:cTn id="1" dur="indefinite" restart="never" nodeType="tmRoot"/>
-      </p:par>
-    </p:tnLst>
-  </p:timing>
 </p:sld>
 </file>
 
@@ -3966,1712 +5139,6 @@
           <a:lstStyle/>
           <a:p>
             <a:r>
-              <a:rPr lang="zh-CN" altLang="en-US" dirty="0"/>
-              <a:t>区域转移概率矩阵</a:t>
-            </a:r>
-            <a:r>
-              <a:rPr lang="zh-CN" altLang="en-US" dirty="0" smtClean="0"/>
-              <a:t>实验</a:t>
-            </a:r>
-            <a:endParaRPr lang="zh-CN" altLang="en-US" dirty="0"/>
-          </a:p>
-        </p:txBody>
-      </p:sp>
-      <p:sp>
-        <p:nvSpPr>
-          <p:cNvPr id="3" name="内容占位符 2"/>
-          <p:cNvSpPr>
-            <a:spLocks noGrp="1"/>
-          </p:cNvSpPr>
-          <p:nvPr>
-            <p:ph sz="quarter" idx="13"/>
-          </p:nvPr>
-        </p:nvSpPr>
-        <p:spPr/>
-        <p:txBody>
-          <a:bodyPr/>
-          <a:lstStyle/>
-          <a:p>
-            <a:r>
-              <a:rPr lang="zh-CN" altLang="en-US" dirty="0" smtClean="0"/>
-              <a:t>形式化定义</a:t>
-            </a:r>
-            <a:endParaRPr lang="en-US" altLang="zh-CN" dirty="0" smtClean="0"/>
-          </a:p>
-          <a:p>
-            <a:endParaRPr lang="en-US" altLang="zh-CN" dirty="0" smtClean="0"/>
-          </a:p>
-          <a:p>
-            <a:endParaRPr lang="zh-CN" altLang="en-US" dirty="0"/>
-          </a:p>
-        </p:txBody>
-      </p:sp>
-      <p:sp>
-        <p:nvSpPr>
-          <p:cNvPr id="4" name="Rectangle 2"/>
-          <p:cNvSpPr>
-            <a:spLocks noChangeArrowheads="1"/>
-          </p:cNvSpPr>
-          <p:nvPr/>
-        </p:nvSpPr>
-        <p:spPr bwMode="auto">
-          <a:xfrm>
-            <a:off x="0" y="0"/>
-            <a:ext cx="9144000" cy="0"/>
-          </a:xfrm>
-          <a:prstGeom prst="rect">
-            <a:avLst/>
-          </a:prstGeom>
-          <a:noFill/>
-          <a:ln>
-            <a:noFill/>
-          </a:ln>
-          <a:effectLst/>
-          <a:extLst>
-            <a:ext uri="{909E8E84-426E-40DD-AFC4-6F175D3DCCD1}">
-              <a14:hiddenFill xmlns:a14="http://schemas.microsoft.com/office/drawing/2010/main">
-                <a:solidFill>
-                  <a:schemeClr val="accent1"/>
-                </a:solidFill>
-              </a14:hiddenFill>
-            </a:ext>
-            <a:ext uri="{91240B29-F687-4F45-9708-019B960494DF}">
-              <a14:hiddenLine xmlns:a14="http://schemas.microsoft.com/office/drawing/2010/main" w="9525">
-                <a:solidFill>
-                  <a:schemeClr val="tx1"/>
-                </a:solidFill>
-                <a:miter lim="800000"/>
-                <a:headEnd/>
-                <a:tailEnd/>
-              </a14:hiddenLine>
-            </a:ext>
-            <a:ext uri="{AF507438-7753-43E0-B8FC-AC1667EBCBE1}">
-              <a14:hiddenEffects xmlns:a14="http://schemas.microsoft.com/office/drawing/2010/main">
-                <a:effectLst>
-                  <a:outerShdw dist="35921" dir="2700000" algn="ctr" rotWithShape="0">
-                    <a:schemeClr val="bg2"/>
-                  </a:outerShdw>
-                </a:effectLst>
-              </a14:hiddenEffects>
-            </a:ext>
-          </a:extLst>
-        </p:spPr>
-        <p:txBody>
-          <a:bodyPr vert="horz" wrap="none" lIns="91440" tIns="45720" rIns="91440" bIns="45720" numCol="1" anchor="ctr" anchorCtr="0" compatLnSpc="1">
-            <a:prstTxWarp prst="textNoShape">
-              <a:avLst/>
-            </a:prstTxWarp>
-            <a:spAutoFit/>
-          </a:bodyPr>
-          <a:lstStyle/>
-          <a:p>
-            <a:endParaRPr lang="zh-CN" altLang="en-US"/>
-          </a:p>
-        </p:txBody>
-      </p:sp>
-      <p:graphicFrame>
-        <p:nvGraphicFramePr>
-          <p:cNvPr id="6" name="对象 5"/>
-          <p:cNvGraphicFramePr>
-            <a:graphicFrameLocks noChangeAspect="1"/>
-          </p:cNvGraphicFramePr>
-          <p:nvPr>
-            <p:extLst>
-              <p:ext uri="{D42A27DB-BD31-4B8C-83A1-F6EECF244321}">
-                <p14:modId xmlns:p14="http://schemas.microsoft.com/office/powerpoint/2010/main" val="82641826"/>
-              </p:ext>
-            </p:extLst>
-          </p:nvPr>
-        </p:nvGraphicFramePr>
-        <p:xfrm>
-          <a:off x="1532880" y="1951360"/>
-          <a:ext cx="3759200" cy="1117600"/>
-        </p:xfrm>
-        <a:graphic>
-          <a:graphicData uri="http://schemas.openxmlformats.org/presentationml/2006/ole">
-            <mc:AlternateContent xmlns:mc="http://schemas.openxmlformats.org/markup-compatibility/2006">
-              <mc:Choice xmlns:v="urn:schemas-microsoft-com:vml" Requires="v">
-                <p:oleObj spid="_x0000_s2157" name="Equation" r:id="rId3" imgW="3759120" imgH="1117440" progId="Equation.DSMT4">
-                  <p:embed/>
-                </p:oleObj>
-              </mc:Choice>
-              <mc:Fallback>
-                <p:oleObj name="Equation" r:id="rId3" imgW="3759120" imgH="1117440" progId="Equation.DSMT4">
-                  <p:embed/>
-                  <p:pic>
-                    <p:nvPicPr>
-                      <p:cNvPr id="0" name=""/>
-                      <p:cNvPicPr/>
-                      <p:nvPr/>
-                    </p:nvPicPr>
-                    <p:blipFill>
-                      <a:blip r:embed="rId4"/>
-                      <a:stretch>
-                        <a:fillRect/>
-                      </a:stretch>
-                    </p:blipFill>
-                    <p:spPr>
-                      <a:xfrm>
-                        <a:off x="1532880" y="1951360"/>
-                        <a:ext cx="3759200" cy="1117600"/>
-                      </a:xfrm>
-                      <a:prstGeom prst="rect">
-                        <a:avLst/>
-                      </a:prstGeom>
-                      <a:solidFill>
-                        <a:schemeClr val="tx1"/>
-                      </a:solidFill>
-                      <a:ln>
-                        <a:solidFill>
-                          <a:srgbClr val="FFC000"/>
-                        </a:solidFill>
-                      </a:ln>
-                    </p:spPr>
-                  </p:pic>
-                </p:oleObj>
-              </mc:Fallback>
-            </mc:AlternateContent>
-          </a:graphicData>
-        </a:graphic>
-      </p:graphicFrame>
-      <p:sp>
-        <p:nvSpPr>
-          <p:cNvPr id="10" name="Rectangle 4"/>
-          <p:cNvSpPr>
-            <a:spLocks noChangeArrowheads="1"/>
-          </p:cNvSpPr>
-          <p:nvPr/>
-        </p:nvSpPr>
-        <p:spPr bwMode="auto">
-          <a:xfrm>
-            <a:off x="0" y="0"/>
-            <a:ext cx="9144000" cy="457200"/>
-          </a:xfrm>
-          <a:prstGeom prst="rect">
-            <a:avLst/>
-          </a:prstGeom>
-          <a:noFill/>
-          <a:ln>
-            <a:noFill/>
-          </a:ln>
-          <a:effectLst/>
-          <a:extLst>
-            <a:ext uri="{909E8E84-426E-40DD-AFC4-6F175D3DCCD1}">
-              <a14:hiddenFill xmlns:a14="http://schemas.microsoft.com/office/drawing/2010/main">
-                <a:solidFill>
-                  <a:schemeClr val="accent1"/>
-                </a:solidFill>
-              </a14:hiddenFill>
-            </a:ext>
-            <a:ext uri="{91240B29-F687-4F45-9708-019B960494DF}">
-              <a14:hiddenLine xmlns:a14="http://schemas.microsoft.com/office/drawing/2010/main" w="9525">
-                <a:solidFill>
-                  <a:schemeClr val="tx1"/>
-                </a:solidFill>
-                <a:miter lim="800000"/>
-                <a:headEnd/>
-                <a:tailEnd/>
-              </a14:hiddenLine>
-            </a:ext>
-            <a:ext uri="{AF507438-7753-43E0-B8FC-AC1667EBCBE1}">
-              <a14:hiddenEffects xmlns:a14="http://schemas.microsoft.com/office/drawing/2010/main">
-                <a:effectLst>
-                  <a:outerShdw dist="35921" dir="2700000" algn="ctr" rotWithShape="0">
-                    <a:schemeClr val="bg2"/>
-                  </a:outerShdw>
-                </a:effectLst>
-              </a14:hiddenEffects>
-            </a:ext>
-          </a:extLst>
-        </p:spPr>
-        <p:txBody>
-          <a:bodyPr vert="horz" wrap="none" lIns="91440" tIns="45720" rIns="91440" bIns="45720" numCol="1" anchor="ctr" anchorCtr="0" compatLnSpc="1">
-            <a:prstTxWarp prst="textNoShape">
-              <a:avLst/>
-            </a:prstTxWarp>
-            <a:spAutoFit/>
-          </a:bodyPr>
-          <a:lstStyle/>
-          <a:p>
-            <a:endParaRPr lang="zh-CN" altLang="en-US"/>
-          </a:p>
-        </p:txBody>
-      </p:sp>
-      <p:graphicFrame>
-        <p:nvGraphicFramePr>
-          <p:cNvPr id="11" name="对象 10"/>
-          <p:cNvGraphicFramePr>
-            <a:graphicFrameLocks noChangeAspect="1"/>
-          </p:cNvGraphicFramePr>
-          <p:nvPr>
-            <p:extLst>
-              <p:ext uri="{D42A27DB-BD31-4B8C-83A1-F6EECF244321}">
-                <p14:modId xmlns:p14="http://schemas.microsoft.com/office/powerpoint/2010/main" val="3930367505"/>
-              </p:ext>
-            </p:extLst>
-          </p:nvPr>
-        </p:nvGraphicFramePr>
-        <p:xfrm>
-          <a:off x="1539902" y="3254871"/>
-          <a:ext cx="5336354" cy="1182241"/>
-        </p:xfrm>
-        <a:graphic>
-          <a:graphicData uri="http://schemas.openxmlformats.org/presentationml/2006/ole">
-            <mc:AlternateContent xmlns:mc="http://schemas.openxmlformats.org/markup-compatibility/2006">
-              <mc:Choice xmlns:v="urn:schemas-microsoft-com:vml" Requires="v">
-                <p:oleObj spid="_x0000_s2158" name="Equation" r:id="rId5" imgW="4686300" imgH="1041400" progId="Equation.DSMT4">
-                  <p:embed/>
-                </p:oleObj>
-              </mc:Choice>
-              <mc:Fallback>
-                <p:oleObj name="Equation" r:id="rId5" imgW="4686300" imgH="1041400" progId="Equation.DSMT4">
-                  <p:embed/>
-                  <p:pic>
-                    <p:nvPicPr>
-                      <p:cNvPr id="0" name="Object 3"/>
-                      <p:cNvPicPr>
-                        <a:picLocks noChangeAspect="1" noChangeArrowheads="1"/>
-                      </p:cNvPicPr>
-                      <p:nvPr/>
-                    </p:nvPicPr>
-                    <p:blipFill>
-                      <a:blip r:embed="rId6">
-                        <a:extLst>
-                          <a:ext uri="{28A0092B-C50C-407E-A947-70E740481C1C}">
-                            <a14:useLocalDpi xmlns:a14="http://schemas.microsoft.com/office/drawing/2010/main" val="0"/>
-                          </a:ext>
-                        </a:extLst>
-                      </a:blip>
-                      <a:srcRect/>
-                      <a:stretch>
-                        <a:fillRect/>
-                      </a:stretch>
-                    </p:blipFill>
-                    <p:spPr bwMode="auto">
-                      <a:xfrm>
-                        <a:off x="1539902" y="3254871"/>
-                        <a:ext cx="5336354" cy="1182241"/>
-                      </a:xfrm>
-                      <a:prstGeom prst="rect">
-                        <a:avLst/>
-                      </a:prstGeom>
-                      <a:solidFill>
-                        <a:schemeClr val="tx1"/>
-                      </a:solidFill>
-                      <a:ln>
-                        <a:solidFill>
-                          <a:srgbClr val="FFC000"/>
-                        </a:solidFill>
-                      </a:ln>
-                    </p:spPr>
-                  </p:pic>
-                </p:oleObj>
-              </mc:Fallback>
-            </mc:AlternateContent>
-          </a:graphicData>
-        </a:graphic>
-      </p:graphicFrame>
-      <p:sp>
-        <p:nvSpPr>
-          <p:cNvPr id="12" name="Rectangle 6"/>
-          <p:cNvSpPr>
-            <a:spLocks noChangeArrowheads="1"/>
-          </p:cNvSpPr>
-          <p:nvPr/>
-        </p:nvSpPr>
-        <p:spPr bwMode="auto">
-          <a:xfrm>
-            <a:off x="0" y="0"/>
-            <a:ext cx="9144000" cy="0"/>
-          </a:xfrm>
-          <a:prstGeom prst="rect">
-            <a:avLst/>
-          </a:prstGeom>
-          <a:noFill/>
-          <a:ln>
-            <a:noFill/>
-          </a:ln>
-          <a:effectLst/>
-          <a:extLst>
-            <a:ext uri="{909E8E84-426E-40DD-AFC4-6F175D3DCCD1}">
-              <a14:hiddenFill xmlns:a14="http://schemas.microsoft.com/office/drawing/2010/main">
-                <a:solidFill>
-                  <a:schemeClr val="accent1"/>
-                </a:solidFill>
-              </a14:hiddenFill>
-            </a:ext>
-            <a:ext uri="{91240B29-F687-4F45-9708-019B960494DF}">
-              <a14:hiddenLine xmlns:a14="http://schemas.microsoft.com/office/drawing/2010/main" w="9525">
-                <a:solidFill>
-                  <a:schemeClr val="tx1"/>
-                </a:solidFill>
-                <a:miter lim="800000"/>
-                <a:headEnd/>
-                <a:tailEnd/>
-              </a14:hiddenLine>
-            </a:ext>
-            <a:ext uri="{AF507438-7753-43E0-B8FC-AC1667EBCBE1}">
-              <a14:hiddenEffects xmlns:a14="http://schemas.microsoft.com/office/drawing/2010/main">
-                <a:effectLst>
-                  <a:outerShdw dist="35921" dir="2700000" algn="ctr" rotWithShape="0">
-                    <a:schemeClr val="bg2"/>
-                  </a:outerShdw>
-                </a:effectLst>
-              </a14:hiddenEffects>
-            </a:ext>
-          </a:extLst>
-        </p:spPr>
-        <p:txBody>
-          <a:bodyPr vert="horz" wrap="none" lIns="91440" tIns="45720" rIns="91440" bIns="45720" numCol="1" anchor="ctr" anchorCtr="0" compatLnSpc="1">
-            <a:prstTxWarp prst="textNoShape">
-              <a:avLst/>
-            </a:prstTxWarp>
-            <a:spAutoFit/>
-          </a:bodyPr>
-          <a:lstStyle/>
-          <a:p>
-            <a:endParaRPr lang="zh-CN" altLang="en-US"/>
-          </a:p>
-        </p:txBody>
-      </p:sp>
-      <p:graphicFrame>
-        <p:nvGraphicFramePr>
-          <p:cNvPr id="13" name="对象 12"/>
-          <p:cNvGraphicFramePr>
-            <a:graphicFrameLocks noChangeAspect="1"/>
-          </p:cNvGraphicFramePr>
-          <p:nvPr>
-            <p:extLst>
-              <p:ext uri="{D42A27DB-BD31-4B8C-83A1-F6EECF244321}">
-                <p14:modId xmlns:p14="http://schemas.microsoft.com/office/powerpoint/2010/main" val="3614824673"/>
-              </p:ext>
-            </p:extLst>
-          </p:nvPr>
-        </p:nvGraphicFramePr>
-        <p:xfrm>
-          <a:off x="1569416" y="4653136"/>
-          <a:ext cx="6026920" cy="1080120"/>
-        </p:xfrm>
-        <a:graphic>
-          <a:graphicData uri="http://schemas.openxmlformats.org/presentationml/2006/ole">
-            <mc:AlternateContent xmlns:mc="http://schemas.openxmlformats.org/markup-compatibility/2006">
-              <mc:Choice xmlns:v="urn:schemas-microsoft-com:vml" Requires="v">
-                <p:oleObj spid="_x0000_s2159" name="Equation" r:id="rId7" imgW="5105160" imgH="914400" progId="Equation.DSMT4">
-                  <p:embed/>
-                </p:oleObj>
-              </mc:Choice>
-              <mc:Fallback>
-                <p:oleObj name="Equation" r:id="rId7" imgW="5105160" imgH="914400" progId="Equation.DSMT4">
-                  <p:embed/>
-                  <p:pic>
-                    <p:nvPicPr>
-                      <p:cNvPr id="0" name="Object 5"/>
-                      <p:cNvPicPr>
-                        <a:picLocks noChangeAspect="1" noChangeArrowheads="1"/>
-                      </p:cNvPicPr>
-                      <p:nvPr/>
-                    </p:nvPicPr>
-                    <p:blipFill>
-                      <a:blip r:embed="rId8"/>
-                      <a:srcRect/>
-                      <a:stretch>
-                        <a:fillRect/>
-                      </a:stretch>
-                    </p:blipFill>
-                    <p:spPr bwMode="auto">
-                      <a:xfrm>
-                        <a:off x="1569416" y="4653136"/>
-                        <a:ext cx="6026920" cy="1080120"/>
-                      </a:xfrm>
-                      <a:prstGeom prst="rect">
-                        <a:avLst/>
-                      </a:prstGeom>
-                      <a:solidFill>
-                        <a:schemeClr val="tx1"/>
-                      </a:solidFill>
-                      <a:ln>
-                        <a:solidFill>
-                          <a:srgbClr val="FFC000"/>
-                        </a:solidFill>
-                      </a:ln>
-                    </p:spPr>
-                  </p:pic>
-                </p:oleObj>
-              </mc:Fallback>
-            </mc:AlternateContent>
-          </a:graphicData>
-        </a:graphic>
-      </p:graphicFrame>
-      <p:sp>
-        <p:nvSpPr>
-          <p:cNvPr id="14" name="Rectangle 8"/>
-          <p:cNvSpPr>
-            <a:spLocks noChangeArrowheads="1"/>
-          </p:cNvSpPr>
-          <p:nvPr/>
-        </p:nvSpPr>
-        <p:spPr bwMode="auto">
-          <a:xfrm>
-            <a:off x="0" y="0"/>
-            <a:ext cx="9144000" cy="0"/>
-          </a:xfrm>
-          <a:prstGeom prst="rect">
-            <a:avLst/>
-          </a:prstGeom>
-          <a:noFill/>
-          <a:ln>
-            <a:noFill/>
-          </a:ln>
-          <a:effectLst/>
-          <a:extLst>
-            <a:ext uri="{909E8E84-426E-40DD-AFC4-6F175D3DCCD1}">
-              <a14:hiddenFill xmlns:a14="http://schemas.microsoft.com/office/drawing/2010/main">
-                <a:solidFill>
-                  <a:schemeClr val="accent1"/>
-                </a:solidFill>
-              </a14:hiddenFill>
-            </a:ext>
-            <a:ext uri="{91240B29-F687-4F45-9708-019B960494DF}">
-              <a14:hiddenLine xmlns:a14="http://schemas.microsoft.com/office/drawing/2010/main" w="9525">
-                <a:solidFill>
-                  <a:schemeClr val="tx1"/>
-                </a:solidFill>
-                <a:miter lim="800000"/>
-                <a:headEnd/>
-                <a:tailEnd/>
-              </a14:hiddenLine>
-            </a:ext>
-            <a:ext uri="{AF507438-7753-43E0-B8FC-AC1667EBCBE1}">
-              <a14:hiddenEffects xmlns:a14="http://schemas.microsoft.com/office/drawing/2010/main">
-                <a:effectLst>
-                  <a:outerShdw dist="35921" dir="2700000" algn="ctr" rotWithShape="0">
-                    <a:schemeClr val="bg2"/>
-                  </a:outerShdw>
-                </a:effectLst>
-              </a14:hiddenEffects>
-            </a:ext>
-          </a:extLst>
-        </p:spPr>
-        <p:txBody>
-          <a:bodyPr vert="horz" wrap="none" lIns="91440" tIns="45720" rIns="91440" bIns="45720" numCol="1" anchor="ctr" anchorCtr="0" compatLnSpc="1">
-            <a:prstTxWarp prst="textNoShape">
-              <a:avLst/>
-            </a:prstTxWarp>
-            <a:spAutoFit/>
-          </a:bodyPr>
-          <a:lstStyle/>
-          <a:p>
-            <a:endParaRPr lang="zh-CN" altLang="en-US"/>
-          </a:p>
-        </p:txBody>
-      </p:sp>
-      <p:sp>
-        <p:nvSpPr>
-          <p:cNvPr id="16" name="Rectangle 10"/>
-          <p:cNvSpPr>
-            <a:spLocks noChangeArrowheads="1"/>
-          </p:cNvSpPr>
-          <p:nvPr/>
-        </p:nvSpPr>
-        <p:spPr bwMode="auto">
-          <a:xfrm>
-            <a:off x="0" y="0"/>
-            <a:ext cx="9144000" cy="0"/>
-          </a:xfrm>
-          <a:prstGeom prst="rect">
-            <a:avLst/>
-          </a:prstGeom>
-          <a:noFill/>
-          <a:ln>
-            <a:noFill/>
-          </a:ln>
-          <a:effectLst/>
-          <a:extLst>
-            <a:ext uri="{909E8E84-426E-40DD-AFC4-6F175D3DCCD1}">
-              <a14:hiddenFill xmlns:a14="http://schemas.microsoft.com/office/drawing/2010/main">
-                <a:solidFill>
-                  <a:schemeClr val="accent1"/>
-                </a:solidFill>
-              </a14:hiddenFill>
-            </a:ext>
-            <a:ext uri="{91240B29-F687-4F45-9708-019B960494DF}">
-              <a14:hiddenLine xmlns:a14="http://schemas.microsoft.com/office/drawing/2010/main" w="9525">
-                <a:solidFill>
-                  <a:schemeClr val="tx1"/>
-                </a:solidFill>
-                <a:miter lim="800000"/>
-                <a:headEnd/>
-                <a:tailEnd/>
-              </a14:hiddenLine>
-            </a:ext>
-            <a:ext uri="{AF507438-7753-43E0-B8FC-AC1667EBCBE1}">
-              <a14:hiddenEffects xmlns:a14="http://schemas.microsoft.com/office/drawing/2010/main">
-                <a:effectLst>
-                  <a:outerShdw dist="35921" dir="2700000" algn="ctr" rotWithShape="0">
-                    <a:schemeClr val="bg2"/>
-                  </a:outerShdw>
-                </a:effectLst>
-              </a14:hiddenEffects>
-            </a:ext>
-          </a:extLst>
-        </p:spPr>
-        <p:txBody>
-          <a:bodyPr vert="horz" wrap="none" lIns="91440" tIns="45720" rIns="91440" bIns="45720" numCol="1" anchor="ctr" anchorCtr="0" compatLnSpc="1">
-            <a:prstTxWarp prst="textNoShape">
-              <a:avLst/>
-            </a:prstTxWarp>
-            <a:spAutoFit/>
-          </a:bodyPr>
-          <a:lstStyle/>
-          <a:p>
-            <a:endParaRPr lang="zh-CN" altLang="en-US"/>
-          </a:p>
-        </p:txBody>
-      </p:sp>
-      <p:sp>
-        <p:nvSpPr>
-          <p:cNvPr id="18" name="Rectangle 12"/>
-          <p:cNvSpPr>
-            <a:spLocks noChangeArrowheads="1"/>
-          </p:cNvSpPr>
-          <p:nvPr/>
-        </p:nvSpPr>
-        <p:spPr bwMode="auto">
-          <a:xfrm>
-            <a:off x="0" y="0"/>
-            <a:ext cx="9144000" cy="0"/>
-          </a:xfrm>
-          <a:prstGeom prst="rect">
-            <a:avLst/>
-          </a:prstGeom>
-          <a:noFill/>
-          <a:ln>
-            <a:noFill/>
-          </a:ln>
-          <a:effectLst/>
-          <a:extLst>
-            <a:ext uri="{909E8E84-426E-40DD-AFC4-6F175D3DCCD1}">
-              <a14:hiddenFill xmlns:a14="http://schemas.microsoft.com/office/drawing/2010/main">
-                <a:solidFill>
-                  <a:schemeClr val="accent1"/>
-                </a:solidFill>
-              </a14:hiddenFill>
-            </a:ext>
-            <a:ext uri="{91240B29-F687-4F45-9708-019B960494DF}">
-              <a14:hiddenLine xmlns:a14="http://schemas.microsoft.com/office/drawing/2010/main" w="9525">
-                <a:solidFill>
-                  <a:schemeClr val="tx1"/>
-                </a:solidFill>
-                <a:miter lim="800000"/>
-                <a:headEnd/>
-                <a:tailEnd/>
-              </a14:hiddenLine>
-            </a:ext>
-            <a:ext uri="{AF507438-7753-43E0-B8FC-AC1667EBCBE1}">
-              <a14:hiddenEffects xmlns:a14="http://schemas.microsoft.com/office/drawing/2010/main">
-                <a:effectLst>
-                  <a:outerShdw dist="35921" dir="2700000" algn="ctr" rotWithShape="0">
-                    <a:schemeClr val="bg2"/>
-                  </a:outerShdw>
-                </a:effectLst>
-              </a14:hiddenEffects>
-            </a:ext>
-          </a:extLst>
-        </p:spPr>
-        <p:txBody>
-          <a:bodyPr vert="horz" wrap="none" lIns="91440" tIns="45720" rIns="91440" bIns="45720" numCol="1" anchor="ctr" anchorCtr="0" compatLnSpc="1">
-            <a:prstTxWarp prst="textNoShape">
-              <a:avLst/>
-            </a:prstTxWarp>
-            <a:spAutoFit/>
-          </a:bodyPr>
-          <a:lstStyle/>
-          <a:p>
-            <a:endParaRPr lang="zh-CN" altLang="en-US"/>
-          </a:p>
-        </p:txBody>
-      </p:sp>
-    </p:spTree>
-    <p:extLst>
-      <p:ext uri="{BB962C8B-B14F-4D97-AF65-F5344CB8AC3E}">
-        <p14:creationId xmlns:p14="http://schemas.microsoft.com/office/powerpoint/2010/main" val="1709479694"/>
-      </p:ext>
-    </p:extLst>
-  </p:cSld>
-  <p:clrMapOvr>
-    <a:masterClrMapping/>
-  </p:clrMapOvr>
-  <p:timing>
-    <p:tnLst>
-      <p:par>
-        <p:cTn id="1" dur="indefinite" restart="never" nodeType="tmRoot"/>
-      </p:par>
-    </p:tnLst>
-  </p:timing>
-</p:sld>
-</file>
-
-<file path=ppt/slides/slide5.xml><?xml version="1.0" encoding="utf-8"?>
-<p:sld xmlns:a="http://schemas.openxmlformats.org/drawingml/2006/main" xmlns:r="http://schemas.openxmlformats.org/officeDocument/2006/relationships" xmlns:p="http://schemas.openxmlformats.org/presentationml/2006/main">
-  <p:cSld>
-    <p:spTree>
-      <p:nvGrpSpPr>
-        <p:cNvPr id="1" name=""/>
-        <p:cNvGrpSpPr/>
-        <p:nvPr/>
-      </p:nvGrpSpPr>
-      <p:grpSpPr>
-        <a:xfrm>
-          <a:off x="0" y="0"/>
-          <a:ext cx="0" cy="0"/>
-          <a:chOff x="0" y="0"/>
-          <a:chExt cx="0" cy="0"/>
-        </a:xfrm>
-      </p:grpSpPr>
-      <p:sp>
-        <p:nvSpPr>
-          <p:cNvPr id="2" name="标题 1"/>
-          <p:cNvSpPr>
-            <a:spLocks noGrp="1"/>
-          </p:cNvSpPr>
-          <p:nvPr>
-            <p:ph type="title"/>
-          </p:nvPr>
-        </p:nvSpPr>
-        <p:spPr/>
-        <p:txBody>
-          <a:bodyPr/>
-          <a:lstStyle/>
-          <a:p>
-            <a:r>
-              <a:rPr lang="zh-CN" altLang="en-US" dirty="0"/>
-              <a:t>区域转移概率矩阵实验</a:t>
-            </a:r>
-          </a:p>
-        </p:txBody>
-      </p:sp>
-      <p:sp>
-        <p:nvSpPr>
-          <p:cNvPr id="3" name="内容占位符 2"/>
-          <p:cNvSpPr>
-            <a:spLocks noGrp="1"/>
-          </p:cNvSpPr>
-          <p:nvPr>
-            <p:ph sz="quarter" idx="13"/>
-          </p:nvPr>
-        </p:nvSpPr>
-        <p:spPr/>
-        <p:txBody>
-          <a:bodyPr>
-            <a:normAutofit fontScale="77500" lnSpcReduction="20000"/>
-          </a:bodyPr>
-          <a:lstStyle/>
-          <a:p>
-            <a:r>
-              <a:rPr lang="zh-CN" altLang="en-US" sz="1900" dirty="0" smtClean="0"/>
-              <a:t>区域识别实现思想</a:t>
-            </a:r>
-            <a:endParaRPr lang="en-US" altLang="zh-CN" sz="1900" dirty="0" smtClean="0"/>
-          </a:p>
-          <a:p>
-            <a:pPr lvl="1"/>
-            <a:r>
-              <a:rPr lang="zh-CN" altLang="en-US" sz="1900" dirty="0" smtClean="0"/>
-              <a:t>分别对</a:t>
-            </a:r>
-            <a:r>
-              <a:rPr lang="zh-CN" altLang="en-US" sz="1900" b="1" dirty="0" smtClean="0">
-                <a:solidFill>
-                  <a:srgbClr val="FFC000"/>
-                </a:solidFill>
-              </a:rPr>
-              <a:t>载客</a:t>
-            </a:r>
-            <a:r>
-              <a:rPr lang="en-US" altLang="zh-CN" sz="1900" b="1" dirty="0" smtClean="0">
-                <a:solidFill>
-                  <a:srgbClr val="FFC000"/>
-                </a:solidFill>
-              </a:rPr>
-              <a:t>/</a:t>
-            </a:r>
-            <a:r>
-              <a:rPr lang="zh-CN" altLang="en-US" sz="1900" b="1" dirty="0" smtClean="0">
-                <a:solidFill>
-                  <a:srgbClr val="FFC000"/>
-                </a:solidFill>
-              </a:rPr>
-              <a:t>非载客</a:t>
-            </a:r>
-            <a:r>
-              <a:rPr lang="zh-CN" altLang="en-US" sz="1900" dirty="0" smtClean="0"/>
-              <a:t>事件的区域进行识别</a:t>
-            </a:r>
-            <a:endParaRPr lang="en-US" altLang="zh-CN" sz="1900" dirty="0" smtClean="0"/>
-          </a:p>
-          <a:p>
-            <a:pPr lvl="1"/>
-            <a:r>
-              <a:rPr lang="zh-CN" altLang="en-US" sz="1900" dirty="0" smtClean="0"/>
-              <a:t>步骤</a:t>
-            </a:r>
-            <a:endParaRPr lang="en-US" altLang="zh-CN" sz="1900" dirty="0" smtClean="0"/>
-          </a:p>
-          <a:p>
-            <a:pPr lvl="2"/>
-            <a:r>
-              <a:rPr lang="zh-CN" altLang="en-US" sz="1900" dirty="0" smtClean="0"/>
-              <a:t>计算出每个</a:t>
-            </a:r>
-            <a:r>
-              <a:rPr lang="en-US" altLang="zh-CN" sz="1900" dirty="0" smtClean="0"/>
-              <a:t>cell</a:t>
-            </a:r>
-            <a:r>
-              <a:rPr lang="zh-CN" altLang="en-US" sz="1900" dirty="0" smtClean="0"/>
-              <a:t>中的</a:t>
-            </a:r>
-            <a:r>
-              <a:rPr lang="en-US" altLang="zh-CN" sz="1900" dirty="0" smtClean="0"/>
-              <a:t>event</a:t>
-            </a:r>
-            <a:r>
-              <a:rPr lang="zh-CN" altLang="en-US" sz="1900" dirty="0" smtClean="0"/>
-              <a:t>数</a:t>
-            </a:r>
-            <a:endParaRPr lang="en-US" altLang="zh-CN" sz="1900" dirty="0" smtClean="0"/>
-          </a:p>
-          <a:p>
-            <a:pPr lvl="2"/>
-            <a:r>
-              <a:rPr lang="zh-CN" altLang="en-US" sz="1900" dirty="0" smtClean="0"/>
-              <a:t>将</a:t>
-            </a:r>
-            <a:r>
-              <a:rPr lang="en-US" altLang="zh-CN" sz="1900" dirty="0" smtClean="0"/>
-              <a:t>cell</a:t>
-            </a:r>
-            <a:r>
-              <a:rPr lang="zh-CN" altLang="en-US" sz="1900" dirty="0" smtClean="0"/>
-              <a:t>按从大到小排序</a:t>
-            </a:r>
-            <a:endParaRPr lang="en-US" altLang="zh-CN" sz="1900" dirty="0" smtClean="0"/>
-          </a:p>
-          <a:p>
-            <a:pPr lvl="2"/>
-            <a:r>
-              <a:rPr lang="zh-CN" altLang="en-US" sz="1900" dirty="0" smtClean="0"/>
-              <a:t>按广度遍历的方法划分区域：</a:t>
-            </a:r>
-            <a:endParaRPr lang="en-US" altLang="zh-CN" sz="1900" dirty="0" smtClean="0"/>
-          </a:p>
-          <a:p>
-            <a:pPr lvl="3"/>
-            <a:r>
-              <a:rPr lang="zh-CN" altLang="en-US" sz="1900" dirty="0" smtClean="0"/>
-              <a:t>将第一个</a:t>
-            </a:r>
-            <a:r>
-              <a:rPr lang="en-US" altLang="zh-CN" sz="1900" dirty="0" smtClean="0"/>
-              <a:t>cell</a:t>
-            </a:r>
-            <a:r>
-              <a:rPr lang="zh-CN" altLang="en-US" sz="1900" dirty="0" smtClean="0"/>
-              <a:t>加入队列</a:t>
-            </a:r>
-            <a:endParaRPr lang="en-US" altLang="zh-CN" sz="1900" dirty="0" smtClean="0"/>
-          </a:p>
-          <a:p>
-            <a:pPr lvl="3"/>
-            <a:r>
-              <a:rPr lang="zh-CN" altLang="en-US" sz="1900" dirty="0"/>
-              <a:t>队首出队，并置为已</a:t>
-            </a:r>
-            <a:r>
-              <a:rPr lang="zh-CN" altLang="en-US" sz="1900" dirty="0" smtClean="0"/>
-              <a:t>用</a:t>
-            </a:r>
-            <a:endParaRPr lang="en-US" altLang="zh-CN" sz="1900" dirty="0" smtClean="0"/>
-          </a:p>
-          <a:p>
-            <a:pPr lvl="3"/>
-            <a:r>
-              <a:rPr lang="zh-CN" altLang="en-US" sz="1900" dirty="0" smtClean="0"/>
-              <a:t>如果</a:t>
-            </a:r>
-            <a:r>
-              <a:rPr lang="en-US" altLang="zh-CN" sz="1900" dirty="0" smtClean="0"/>
-              <a:t>cell</a:t>
-            </a:r>
-            <a:r>
-              <a:rPr lang="zh-CN" altLang="en-US" sz="1900" dirty="0" smtClean="0"/>
-              <a:t>大于阈值，那么将它上下左右，左上，右上，左下，右下方</a:t>
-            </a:r>
-            <a:r>
-              <a:rPr lang="zh-CN" altLang="en-US" sz="1900" dirty="0" smtClean="0">
-                <a:solidFill>
-                  <a:srgbClr val="FFC000"/>
-                </a:solidFill>
-              </a:rPr>
-              <a:t>大于阈值</a:t>
-            </a:r>
-            <a:r>
-              <a:rPr lang="zh-CN" altLang="en-US" sz="1900" dirty="0" smtClean="0"/>
-              <a:t>的未用的</a:t>
-            </a:r>
-            <a:r>
-              <a:rPr lang="en-US" altLang="zh-CN" sz="1900" dirty="0" smtClean="0"/>
-              <a:t>cell</a:t>
-            </a:r>
-            <a:r>
-              <a:rPr lang="zh-CN" altLang="en-US" sz="1900" dirty="0" smtClean="0"/>
-              <a:t>加入队列。保证此区域</a:t>
-            </a:r>
-            <a:r>
-              <a:rPr lang="en-US" altLang="zh-CN" sz="1900" dirty="0" smtClean="0"/>
-              <a:t>cell</a:t>
-            </a:r>
-            <a:r>
-              <a:rPr lang="zh-CN" altLang="en-US" sz="1900" dirty="0" smtClean="0"/>
-              <a:t>数不大于</a:t>
-            </a:r>
-            <a:r>
-              <a:rPr lang="en-US" altLang="zh-CN" sz="1900" dirty="0" err="1" smtClean="0"/>
-              <a:t>regionscale</a:t>
-            </a:r>
-            <a:r>
-              <a:rPr lang="en-US" altLang="zh-CN" sz="1900" dirty="0" smtClean="0"/>
-              <a:t>.</a:t>
-            </a:r>
-          </a:p>
-          <a:p>
-            <a:pPr lvl="3"/>
-            <a:r>
-              <a:rPr lang="zh-CN" altLang="en-US" sz="1900" dirty="0" smtClean="0"/>
-              <a:t>如果</a:t>
-            </a:r>
-            <a:r>
-              <a:rPr lang="en-US" altLang="zh-CN" sz="1900" dirty="0" smtClean="0"/>
-              <a:t>cell</a:t>
-            </a:r>
-            <a:r>
-              <a:rPr lang="zh-CN" altLang="en-US" sz="1900" dirty="0" smtClean="0"/>
-              <a:t>小于阈值，那么将</a:t>
-            </a:r>
-            <a:r>
-              <a:rPr lang="zh-CN" altLang="en-US" sz="1900" dirty="0"/>
-              <a:t>它上下左右，左上，右上，左下，</a:t>
-            </a:r>
-            <a:r>
-              <a:rPr lang="zh-CN" altLang="en-US" sz="1900" dirty="0" smtClean="0"/>
-              <a:t>右下方</a:t>
-            </a:r>
-            <a:r>
-              <a:rPr lang="zh-CN" altLang="en-US" sz="1900" dirty="0">
-                <a:solidFill>
-                  <a:srgbClr val="FFC000"/>
-                </a:solidFill>
-              </a:rPr>
-              <a:t>小于</a:t>
-            </a:r>
-            <a:r>
-              <a:rPr lang="zh-CN" altLang="en-US" sz="1900" dirty="0" smtClean="0">
-                <a:solidFill>
-                  <a:srgbClr val="FFC000"/>
-                </a:solidFill>
-              </a:rPr>
-              <a:t>阈值</a:t>
-            </a:r>
-            <a:r>
-              <a:rPr lang="zh-CN" altLang="en-US" sz="1900" dirty="0" smtClean="0"/>
-              <a:t>的</a:t>
-            </a:r>
-            <a:r>
-              <a:rPr lang="zh-CN" altLang="en-US" sz="1900" dirty="0"/>
-              <a:t>未用的</a:t>
-            </a:r>
-            <a:r>
-              <a:rPr lang="en-US" altLang="zh-CN" sz="1900" dirty="0" smtClean="0"/>
-              <a:t>cell</a:t>
-            </a:r>
-            <a:r>
-              <a:rPr lang="zh-CN" altLang="en-US" sz="1900" dirty="0"/>
-              <a:t>加入</a:t>
-            </a:r>
-            <a:r>
-              <a:rPr lang="zh-CN" altLang="en-US" sz="1900" dirty="0" smtClean="0"/>
-              <a:t>队列。</a:t>
-            </a:r>
-            <a:r>
-              <a:rPr lang="zh-CN" altLang="en-US" sz="1900" dirty="0"/>
-              <a:t>保证此区域</a:t>
-            </a:r>
-            <a:r>
-              <a:rPr lang="en-US" altLang="zh-CN" sz="1900" dirty="0"/>
-              <a:t>cell</a:t>
-            </a:r>
-            <a:r>
-              <a:rPr lang="zh-CN" altLang="en-US" sz="1900" dirty="0"/>
-              <a:t>数不大于</a:t>
-            </a:r>
-            <a:r>
-              <a:rPr lang="en-US" altLang="zh-CN" sz="1900" dirty="0" err="1"/>
-              <a:t>regionscale</a:t>
-            </a:r>
-            <a:r>
-              <a:rPr lang="en-US" altLang="zh-CN" sz="1900" dirty="0" smtClean="0"/>
-              <a:t>.</a:t>
-            </a:r>
-          </a:p>
-          <a:p>
-            <a:pPr lvl="3"/>
-            <a:r>
-              <a:rPr lang="zh-CN" altLang="en-US" sz="1900" dirty="0"/>
-              <a:t>当</a:t>
-            </a:r>
-            <a:r>
-              <a:rPr lang="zh-CN" altLang="en-US" sz="1900" dirty="0" smtClean="0"/>
-              <a:t>队列为空后结束。</a:t>
-            </a:r>
-            <a:endParaRPr lang="en-US" altLang="zh-CN" sz="1900" dirty="0" smtClean="0"/>
-          </a:p>
-          <a:p>
-            <a:pPr lvl="1"/>
-            <a:r>
-              <a:rPr lang="zh-CN" altLang="en-US" sz="1900" dirty="0" smtClean="0"/>
-              <a:t>由此保证每个区域不会过大，并且区域内</a:t>
-            </a:r>
-            <a:r>
-              <a:rPr lang="en-US" altLang="zh-CN" sz="1900" dirty="0" smtClean="0"/>
-              <a:t>cell</a:t>
-            </a:r>
-            <a:r>
-              <a:rPr lang="zh-CN" altLang="en-US" sz="1900" dirty="0" smtClean="0"/>
-              <a:t>的</a:t>
-            </a:r>
-            <a:r>
-              <a:rPr lang="en-US" altLang="zh-CN" sz="1900" dirty="0" smtClean="0"/>
-              <a:t>event</a:t>
-            </a:r>
-            <a:r>
-              <a:rPr lang="zh-CN" altLang="en-US" sz="1900" dirty="0" smtClean="0"/>
-              <a:t>数值类似。</a:t>
-            </a:r>
-            <a:endParaRPr lang="en-US" altLang="zh-CN" sz="1900" dirty="0" smtClean="0"/>
-          </a:p>
-          <a:p>
-            <a:pPr lvl="2"/>
-            <a:endParaRPr lang="zh-CN" altLang="en-US" dirty="0"/>
-          </a:p>
-        </p:txBody>
-      </p:sp>
-    </p:spTree>
-    <p:extLst>
-      <p:ext uri="{BB962C8B-B14F-4D97-AF65-F5344CB8AC3E}">
-        <p14:creationId xmlns:p14="http://schemas.microsoft.com/office/powerpoint/2010/main" val="3564610129"/>
-      </p:ext>
-    </p:extLst>
-  </p:cSld>
-  <p:clrMapOvr>
-    <a:masterClrMapping/>
-  </p:clrMapOvr>
-  <p:timing>
-    <p:tnLst>
-      <p:par>
-        <p:cTn id="1" dur="indefinite" restart="never" nodeType="tmRoot"/>
-      </p:par>
-    </p:tnLst>
-  </p:timing>
-</p:sld>
-</file>
-
-<file path=ppt/slides/slide6.xml><?xml version="1.0" encoding="utf-8"?>
-<p:sld xmlns:a="http://schemas.openxmlformats.org/drawingml/2006/main" xmlns:r="http://schemas.openxmlformats.org/officeDocument/2006/relationships" xmlns:p="http://schemas.openxmlformats.org/presentationml/2006/main">
-  <p:cSld>
-    <p:spTree>
-      <p:nvGrpSpPr>
-        <p:cNvPr id="1" name=""/>
-        <p:cNvGrpSpPr/>
-        <p:nvPr/>
-      </p:nvGrpSpPr>
-      <p:grpSpPr>
-        <a:xfrm>
-          <a:off x="0" y="0"/>
-          <a:ext cx="0" cy="0"/>
-          <a:chOff x="0" y="0"/>
-          <a:chExt cx="0" cy="0"/>
-        </a:xfrm>
-      </p:grpSpPr>
-      <p:sp>
-        <p:nvSpPr>
-          <p:cNvPr id="2" name="标题 1"/>
-          <p:cNvSpPr>
-            <a:spLocks noGrp="1"/>
-          </p:cNvSpPr>
-          <p:nvPr>
-            <p:ph type="title"/>
-          </p:nvPr>
-        </p:nvSpPr>
-        <p:spPr/>
-        <p:txBody>
-          <a:bodyPr/>
-          <a:lstStyle/>
-          <a:p>
-            <a:r>
-              <a:rPr lang="zh-CN" altLang="en-US" dirty="0" smtClean="0"/>
-              <a:t>区域转移概率矩阵实验</a:t>
-            </a:r>
-            <a:endParaRPr lang="zh-CN" altLang="en-US" dirty="0"/>
-          </a:p>
-        </p:txBody>
-      </p:sp>
-      <p:sp>
-        <p:nvSpPr>
-          <p:cNvPr id="3" name="内容占位符 2"/>
-          <p:cNvSpPr>
-            <a:spLocks noGrp="1"/>
-          </p:cNvSpPr>
-          <p:nvPr>
-            <p:ph sz="quarter" idx="13"/>
-          </p:nvPr>
-        </p:nvSpPr>
-        <p:spPr/>
-        <p:txBody>
-          <a:bodyPr/>
-          <a:lstStyle/>
-          <a:p>
-            <a:r>
-              <a:rPr lang="zh-CN" altLang="en-US" dirty="0" smtClean="0"/>
-              <a:t>区域识别效果（</a:t>
-            </a:r>
-            <a:r>
-              <a:rPr lang="zh-CN" altLang="en-US" dirty="0"/>
-              <a:t>下</a:t>
-            </a:r>
-            <a:r>
-              <a:rPr lang="zh-CN" altLang="en-US" dirty="0" smtClean="0"/>
-              <a:t>客事件）</a:t>
-            </a:r>
-            <a:endParaRPr lang="zh-CN" altLang="en-US" dirty="0"/>
-          </a:p>
-        </p:txBody>
-      </p:sp>
-      <p:pic>
-        <p:nvPicPr>
-          <p:cNvPr id="3075" name="Picture 3"/>
-          <p:cNvPicPr>
-            <a:picLocks noChangeAspect="1" noChangeArrowheads="1"/>
-          </p:cNvPicPr>
-          <p:nvPr/>
-        </p:nvPicPr>
-        <p:blipFill rotWithShape="1">
-          <a:blip r:embed="rId2">
-            <a:extLst>
-              <a:ext uri="{28A0092B-C50C-407E-A947-70E740481C1C}">
-                <a14:useLocalDpi xmlns:a14="http://schemas.microsoft.com/office/drawing/2010/main" val="0"/>
-              </a:ext>
-            </a:extLst>
-          </a:blip>
-          <a:srcRect l="6399" t="51962" r="51783" b="9732"/>
-          <a:stretch/>
-        </p:blipFill>
-        <p:spPr bwMode="auto">
-          <a:xfrm>
-            <a:off x="2411760" y="2276872"/>
-            <a:ext cx="4536831" cy="3261947"/>
-          </a:xfrm>
-          <a:prstGeom prst="rect">
-            <a:avLst/>
-          </a:prstGeom>
-          <a:noFill/>
-          <a:ln w="9525">
-            <a:solidFill>
-              <a:schemeClr val="tx1"/>
-            </a:solidFill>
-            <a:miter lim="800000"/>
-            <a:headEnd/>
-            <a:tailEnd/>
-          </a:ln>
-          <a:extLst>
-            <a:ext uri="{909E8E84-426E-40DD-AFC4-6F175D3DCCD1}">
-              <a14:hiddenFill xmlns:a14="http://schemas.microsoft.com/office/drawing/2010/main">
-                <a:solidFill>
-                  <a:schemeClr val="accent1"/>
-                </a:solidFill>
-              </a14:hiddenFill>
-            </a:ext>
-          </a:extLst>
-        </p:spPr>
-      </p:pic>
-    </p:spTree>
-    <p:extLst>
-      <p:ext uri="{BB962C8B-B14F-4D97-AF65-F5344CB8AC3E}">
-        <p14:creationId xmlns:p14="http://schemas.microsoft.com/office/powerpoint/2010/main" val="2051799780"/>
-      </p:ext>
-    </p:extLst>
-  </p:cSld>
-  <p:clrMapOvr>
-    <a:masterClrMapping/>
-  </p:clrMapOvr>
-  <p:timing>
-    <p:tnLst>
-      <p:par>
-        <p:cTn id="1" dur="indefinite" restart="never" nodeType="tmRoot"/>
-      </p:par>
-    </p:tnLst>
-  </p:timing>
-</p:sld>
-</file>
-
-<file path=ppt/slides/slide7.xml><?xml version="1.0" encoding="utf-8"?>
-<p:sld xmlns:a="http://schemas.openxmlformats.org/drawingml/2006/main" xmlns:r="http://schemas.openxmlformats.org/officeDocument/2006/relationships" xmlns:p="http://schemas.openxmlformats.org/presentationml/2006/main">
-  <p:cSld>
-    <p:spTree>
-      <p:nvGrpSpPr>
-        <p:cNvPr id="1" name=""/>
-        <p:cNvGrpSpPr/>
-        <p:nvPr/>
-      </p:nvGrpSpPr>
-      <p:grpSpPr>
-        <a:xfrm>
-          <a:off x="0" y="0"/>
-          <a:ext cx="0" cy="0"/>
-          <a:chOff x="0" y="0"/>
-          <a:chExt cx="0" cy="0"/>
-        </a:xfrm>
-      </p:grpSpPr>
-      <p:sp>
-        <p:nvSpPr>
-          <p:cNvPr id="2" name="标题 1"/>
-          <p:cNvSpPr>
-            <a:spLocks noGrp="1"/>
-          </p:cNvSpPr>
-          <p:nvPr>
-            <p:ph type="title"/>
-          </p:nvPr>
-        </p:nvSpPr>
-        <p:spPr/>
-        <p:txBody>
-          <a:bodyPr/>
-          <a:lstStyle/>
-          <a:p>
-            <a:r>
-              <a:rPr lang="zh-CN" altLang="en-US" dirty="0"/>
-              <a:t>区域转移概率矩阵实验</a:t>
-            </a:r>
-          </a:p>
-        </p:txBody>
-      </p:sp>
-      <p:sp>
-        <p:nvSpPr>
-          <p:cNvPr id="3" name="内容占位符 2"/>
-          <p:cNvSpPr>
-            <a:spLocks noGrp="1"/>
-          </p:cNvSpPr>
-          <p:nvPr>
-            <p:ph sz="quarter" idx="13"/>
-          </p:nvPr>
-        </p:nvSpPr>
-        <p:spPr/>
-        <p:txBody>
-          <a:bodyPr/>
-          <a:lstStyle/>
-          <a:p>
-            <a:r>
-              <a:rPr lang="zh-CN" altLang="en-US" dirty="0"/>
-              <a:t>区域识别效果</a:t>
-            </a:r>
-            <a:r>
-              <a:rPr lang="zh-CN" altLang="en-US" dirty="0" smtClean="0"/>
-              <a:t>（载客</a:t>
-            </a:r>
-            <a:r>
-              <a:rPr lang="zh-CN" altLang="en-US" dirty="0"/>
-              <a:t>事件</a:t>
-            </a:r>
-            <a:r>
-              <a:rPr lang="zh-CN" altLang="en-US" dirty="0" smtClean="0"/>
-              <a:t>）</a:t>
-            </a:r>
-            <a:endParaRPr lang="zh-CN" altLang="en-US" dirty="0"/>
-          </a:p>
-        </p:txBody>
-      </p:sp>
-      <p:pic>
-        <p:nvPicPr>
-          <p:cNvPr id="4" name="Picture 4"/>
-          <p:cNvPicPr>
-            <a:picLocks noChangeAspect="1" noChangeArrowheads="1"/>
-          </p:cNvPicPr>
-          <p:nvPr/>
-        </p:nvPicPr>
-        <p:blipFill rotWithShape="1">
-          <a:blip r:embed="rId2">
-            <a:extLst>
-              <a:ext uri="{28A0092B-C50C-407E-A947-70E740481C1C}">
-                <a14:useLocalDpi xmlns:a14="http://schemas.microsoft.com/office/drawing/2010/main" val="0"/>
-              </a:ext>
-            </a:extLst>
-          </a:blip>
-          <a:srcRect l="5509" t="51960" r="52350" b="9733"/>
-          <a:stretch/>
-        </p:blipFill>
-        <p:spPr bwMode="auto">
-          <a:xfrm>
-            <a:off x="2267744" y="2276872"/>
-            <a:ext cx="4572001" cy="3261947"/>
-          </a:xfrm>
-          <a:prstGeom prst="rect">
-            <a:avLst/>
-          </a:prstGeom>
-          <a:noFill/>
-          <a:ln w="9525">
-            <a:solidFill>
-              <a:schemeClr val="tx1"/>
-            </a:solidFill>
-            <a:miter lim="800000"/>
-            <a:headEnd/>
-            <a:tailEnd/>
-          </a:ln>
-          <a:extLst>
-            <a:ext uri="{909E8E84-426E-40DD-AFC4-6F175D3DCCD1}">
-              <a14:hiddenFill xmlns:a14="http://schemas.microsoft.com/office/drawing/2010/main">
-                <a:solidFill>
-                  <a:schemeClr val="accent1"/>
-                </a:solidFill>
-              </a14:hiddenFill>
-            </a:ext>
-          </a:extLst>
-        </p:spPr>
-      </p:pic>
-    </p:spTree>
-    <p:extLst>
-      <p:ext uri="{BB962C8B-B14F-4D97-AF65-F5344CB8AC3E}">
-        <p14:creationId xmlns:p14="http://schemas.microsoft.com/office/powerpoint/2010/main" val="1034911770"/>
-      </p:ext>
-    </p:extLst>
-  </p:cSld>
-  <p:clrMapOvr>
-    <a:masterClrMapping/>
-  </p:clrMapOvr>
-  <p:timing>
-    <p:tnLst>
-      <p:par>
-        <p:cTn id="1" dur="indefinite" restart="never" nodeType="tmRoot"/>
-      </p:par>
-    </p:tnLst>
-  </p:timing>
-</p:sld>
-</file>
-
-<file path=ppt/slides/slide8.xml><?xml version="1.0" encoding="utf-8"?>
-<p:sld xmlns:a="http://schemas.openxmlformats.org/drawingml/2006/main" xmlns:r="http://schemas.openxmlformats.org/officeDocument/2006/relationships" xmlns:p="http://schemas.openxmlformats.org/presentationml/2006/main">
-  <p:cSld>
-    <p:spTree>
-      <p:nvGrpSpPr>
-        <p:cNvPr id="1" name=""/>
-        <p:cNvGrpSpPr/>
-        <p:nvPr/>
-      </p:nvGrpSpPr>
-      <p:grpSpPr>
-        <a:xfrm>
-          <a:off x="0" y="0"/>
-          <a:ext cx="0" cy="0"/>
-          <a:chOff x="0" y="0"/>
-          <a:chExt cx="0" cy="0"/>
-        </a:xfrm>
-      </p:grpSpPr>
-      <p:sp>
-        <p:nvSpPr>
-          <p:cNvPr id="2" name="标题 1"/>
-          <p:cNvSpPr>
-            <a:spLocks noGrp="1"/>
-          </p:cNvSpPr>
-          <p:nvPr>
-            <p:ph type="title"/>
-          </p:nvPr>
-        </p:nvSpPr>
-        <p:spPr/>
-        <p:txBody>
-          <a:bodyPr/>
-          <a:lstStyle/>
-          <a:p>
-            <a:r>
-              <a:rPr lang="zh-CN" altLang="en-US" dirty="0"/>
-              <a:t>区域转移概率矩阵实验</a:t>
-            </a:r>
-          </a:p>
-        </p:txBody>
-      </p:sp>
-      <p:sp>
-        <p:nvSpPr>
-          <p:cNvPr id="3" name="内容占位符 2"/>
-          <p:cNvSpPr>
-            <a:spLocks noGrp="1"/>
-          </p:cNvSpPr>
-          <p:nvPr>
-            <p:ph sz="quarter" idx="13"/>
-          </p:nvPr>
-        </p:nvSpPr>
-        <p:spPr/>
-        <p:txBody>
-          <a:bodyPr/>
-          <a:lstStyle/>
-          <a:p>
-            <a:r>
-              <a:rPr lang="zh-CN" altLang="en-US" dirty="0"/>
-              <a:t>区域</a:t>
-            </a:r>
-            <a:r>
-              <a:rPr lang="zh-CN" altLang="en-US" dirty="0" smtClean="0"/>
-              <a:t>转移概率</a:t>
-            </a:r>
-            <a:endParaRPr lang="en-US" altLang="zh-CN" dirty="0" smtClean="0"/>
-          </a:p>
-          <a:p>
-            <a:pPr lvl="1"/>
-            <a:endParaRPr lang="zh-CN" altLang="en-US" dirty="0"/>
-          </a:p>
-        </p:txBody>
-      </p:sp>
-      <p:graphicFrame>
-        <p:nvGraphicFramePr>
-          <p:cNvPr id="4" name="对象 3"/>
-          <p:cNvGraphicFramePr>
-            <a:graphicFrameLocks noChangeAspect="1"/>
-          </p:cNvGraphicFramePr>
-          <p:nvPr>
-            <p:extLst>
-              <p:ext uri="{D42A27DB-BD31-4B8C-83A1-F6EECF244321}">
-                <p14:modId xmlns:p14="http://schemas.microsoft.com/office/powerpoint/2010/main" val="3606018287"/>
-              </p:ext>
-            </p:extLst>
-          </p:nvPr>
-        </p:nvGraphicFramePr>
-        <p:xfrm>
-          <a:off x="1763688" y="3068961"/>
-          <a:ext cx="6014859" cy="1224136"/>
-        </p:xfrm>
-        <a:graphic>
-          <a:graphicData uri="http://schemas.openxmlformats.org/presentationml/2006/ole">
-            <mc:AlternateContent xmlns:mc="http://schemas.openxmlformats.org/markup-compatibility/2006">
-              <mc:Choice xmlns:v="urn:schemas-microsoft-com:vml" Requires="v">
-                <p:oleObj spid="_x0000_s4129" name="Equation" r:id="rId3" imgW="3556000" imgH="635000" progId="Equation.DSMT4">
-                  <p:embed/>
-                </p:oleObj>
-              </mc:Choice>
-              <mc:Fallback>
-                <p:oleObj name="Equation" r:id="rId3" imgW="3556000" imgH="635000" progId="Equation.DSMT4">
-                  <p:embed/>
-                  <p:pic>
-                    <p:nvPicPr>
-                      <p:cNvPr id="0" name="对象 16"/>
-                      <p:cNvPicPr>
-                        <a:picLocks noChangeAspect="1" noChangeArrowheads="1"/>
-                      </p:cNvPicPr>
-                      <p:nvPr/>
-                    </p:nvPicPr>
-                    <p:blipFill>
-                      <a:blip r:embed="rId4">
-                        <a:extLst>
-                          <a:ext uri="{28A0092B-C50C-407E-A947-70E740481C1C}">
-                            <a14:useLocalDpi xmlns:a14="http://schemas.microsoft.com/office/drawing/2010/main" val="0"/>
-                          </a:ext>
-                        </a:extLst>
-                      </a:blip>
-                      <a:srcRect/>
-                      <a:stretch>
-                        <a:fillRect/>
-                      </a:stretch>
-                    </p:blipFill>
-                    <p:spPr bwMode="auto">
-                      <a:xfrm>
-                        <a:off x="1763688" y="3068961"/>
-                        <a:ext cx="6014859" cy="1224136"/>
-                      </a:xfrm>
-                      <a:prstGeom prst="rect">
-                        <a:avLst/>
-                      </a:prstGeom>
-                      <a:solidFill>
-                        <a:schemeClr val="tx1"/>
-                      </a:solidFill>
-                      <a:ln>
-                        <a:solidFill>
-                          <a:srgbClr val="FFC000"/>
-                        </a:solidFill>
-                      </a:ln>
-                    </p:spPr>
-                  </p:pic>
-                </p:oleObj>
-              </mc:Fallback>
-            </mc:AlternateContent>
-          </a:graphicData>
-        </a:graphic>
-      </p:graphicFrame>
-      <p:graphicFrame>
-        <p:nvGraphicFramePr>
-          <p:cNvPr id="5" name="对象 4"/>
-          <p:cNvGraphicFramePr>
-            <a:graphicFrameLocks noChangeAspect="1"/>
-          </p:cNvGraphicFramePr>
-          <p:nvPr>
-            <p:extLst>
-              <p:ext uri="{D42A27DB-BD31-4B8C-83A1-F6EECF244321}">
-                <p14:modId xmlns:p14="http://schemas.microsoft.com/office/powerpoint/2010/main" val="261677932"/>
-              </p:ext>
-            </p:extLst>
-          </p:nvPr>
-        </p:nvGraphicFramePr>
-        <p:xfrm>
-          <a:off x="1475656" y="2503923"/>
-          <a:ext cx="6480720" cy="421021"/>
-        </p:xfrm>
-        <a:graphic>
-          <a:graphicData uri="http://schemas.openxmlformats.org/presentationml/2006/ole">
-            <mc:AlternateContent xmlns:mc="http://schemas.openxmlformats.org/markup-compatibility/2006">
-              <mc:Choice xmlns:v="urn:schemas-microsoft-com:vml" Requires="v">
-                <p:oleObj spid="_x0000_s4130" name="Equation" r:id="rId5" imgW="4102100" imgH="266700" progId="Equation.DSMT4">
-                  <p:embed/>
-                </p:oleObj>
-              </mc:Choice>
-              <mc:Fallback>
-                <p:oleObj name="Equation" r:id="rId5" imgW="4102100" imgH="266700" progId="Equation.DSMT4">
-                  <p:embed/>
-                  <p:pic>
-                    <p:nvPicPr>
-                      <p:cNvPr id="0" name="对象 14"/>
-                      <p:cNvPicPr>
-                        <a:picLocks noChangeAspect="1" noChangeArrowheads="1"/>
-                      </p:cNvPicPr>
-                      <p:nvPr/>
-                    </p:nvPicPr>
-                    <p:blipFill>
-                      <a:blip r:embed="rId6">
-                        <a:extLst>
-                          <a:ext uri="{28A0092B-C50C-407E-A947-70E740481C1C}">
-                            <a14:useLocalDpi xmlns:a14="http://schemas.microsoft.com/office/drawing/2010/main" val="0"/>
-                          </a:ext>
-                        </a:extLst>
-                      </a:blip>
-                      <a:srcRect/>
-                      <a:stretch>
-                        <a:fillRect/>
-                      </a:stretch>
-                    </p:blipFill>
-                    <p:spPr bwMode="auto">
-                      <a:xfrm>
-                        <a:off x="1475656" y="2503923"/>
-                        <a:ext cx="6480720" cy="421021"/>
-                      </a:xfrm>
-                      <a:prstGeom prst="rect">
-                        <a:avLst/>
-                      </a:prstGeom>
-                      <a:solidFill>
-                        <a:schemeClr val="tx1"/>
-                      </a:solidFill>
-                      <a:ln>
-                        <a:solidFill>
-                          <a:srgbClr val="FFC000"/>
-                        </a:solidFill>
-                      </a:ln>
-                    </p:spPr>
-                  </p:pic>
-                </p:oleObj>
-              </mc:Fallback>
-            </mc:AlternateContent>
-          </a:graphicData>
-        </a:graphic>
-      </p:graphicFrame>
-      <p:sp>
-        <p:nvSpPr>
-          <p:cNvPr id="6" name="Rectangle 5"/>
-          <p:cNvSpPr>
-            <a:spLocks noChangeArrowheads="1"/>
-          </p:cNvSpPr>
-          <p:nvPr/>
-        </p:nvSpPr>
-        <p:spPr bwMode="auto">
-          <a:xfrm>
-            <a:off x="0" y="0"/>
-            <a:ext cx="9144000" cy="0"/>
-          </a:xfrm>
-          <a:prstGeom prst="rect">
-            <a:avLst/>
-          </a:prstGeom>
-          <a:noFill/>
-          <a:ln>
-            <a:noFill/>
-          </a:ln>
-          <a:effectLst/>
-          <a:extLst>
-            <a:ext uri="{909E8E84-426E-40DD-AFC4-6F175D3DCCD1}">
-              <a14:hiddenFill xmlns:a14="http://schemas.microsoft.com/office/drawing/2010/main">
-                <a:solidFill>
-                  <a:schemeClr val="accent1"/>
-                </a:solidFill>
-              </a14:hiddenFill>
-            </a:ext>
-            <a:ext uri="{91240B29-F687-4F45-9708-019B960494DF}">
-              <a14:hiddenLine xmlns:a14="http://schemas.microsoft.com/office/drawing/2010/main" w="9525">
-                <a:solidFill>
-                  <a:schemeClr val="tx1"/>
-                </a:solidFill>
-                <a:miter lim="800000"/>
-                <a:headEnd/>
-                <a:tailEnd/>
-              </a14:hiddenLine>
-            </a:ext>
-            <a:ext uri="{AF507438-7753-43E0-B8FC-AC1667EBCBE1}">
-              <a14:hiddenEffects xmlns:a14="http://schemas.microsoft.com/office/drawing/2010/main">
-                <a:effectLst>
-                  <a:outerShdw dist="35921" dir="2700000" algn="ctr" rotWithShape="0">
-                    <a:schemeClr val="bg2"/>
-                  </a:outerShdw>
-                </a:effectLst>
-              </a14:hiddenEffects>
-            </a:ext>
-          </a:extLst>
-        </p:spPr>
-        <p:txBody>
-          <a:bodyPr vert="horz" wrap="none" lIns="91440" tIns="45720" rIns="91440" bIns="45720" numCol="1" anchor="ctr" anchorCtr="0" compatLnSpc="1">
-            <a:prstTxWarp prst="textNoShape">
-              <a:avLst/>
-            </a:prstTxWarp>
-            <a:spAutoFit/>
-          </a:bodyPr>
-          <a:lstStyle/>
-          <a:p>
-            <a:endParaRPr lang="zh-CN" altLang="en-US"/>
-          </a:p>
-        </p:txBody>
-      </p:sp>
-      <p:graphicFrame>
-        <p:nvGraphicFramePr>
-          <p:cNvPr id="7" name="对象 6"/>
-          <p:cNvGraphicFramePr>
-            <a:graphicFrameLocks noChangeAspect="1"/>
-          </p:cNvGraphicFramePr>
-          <p:nvPr>
-            <p:extLst>
-              <p:ext uri="{D42A27DB-BD31-4B8C-83A1-F6EECF244321}">
-                <p14:modId xmlns:p14="http://schemas.microsoft.com/office/powerpoint/2010/main" val="2255030863"/>
-              </p:ext>
-            </p:extLst>
-          </p:nvPr>
-        </p:nvGraphicFramePr>
-        <p:xfrm>
-          <a:off x="1763688" y="4437112"/>
-          <a:ext cx="5976664" cy="1224136"/>
-        </p:xfrm>
-        <a:graphic>
-          <a:graphicData uri="http://schemas.openxmlformats.org/presentationml/2006/ole">
-            <mc:AlternateContent xmlns:mc="http://schemas.openxmlformats.org/markup-compatibility/2006">
-              <mc:Choice xmlns:v="urn:schemas-microsoft-com:vml" Requires="v">
-                <p:oleObj spid="_x0000_s4131" name="Equation" r:id="rId7" imgW="3479800" imgH="635000" progId="Equation.DSMT4">
-                  <p:embed/>
-                </p:oleObj>
-              </mc:Choice>
-              <mc:Fallback>
-                <p:oleObj name="Equation" r:id="rId7" imgW="3479800" imgH="635000" progId="Equation.DSMT4">
-                  <p:embed/>
-                  <p:pic>
-                    <p:nvPicPr>
-                      <p:cNvPr id="0" name="Object 4"/>
-                      <p:cNvPicPr>
-                        <a:picLocks noChangeAspect="1" noChangeArrowheads="1"/>
-                      </p:cNvPicPr>
-                      <p:nvPr/>
-                    </p:nvPicPr>
-                    <p:blipFill>
-                      <a:blip r:embed="rId8">
-                        <a:extLst>
-                          <a:ext uri="{28A0092B-C50C-407E-A947-70E740481C1C}">
-                            <a14:useLocalDpi xmlns:a14="http://schemas.microsoft.com/office/drawing/2010/main" val="0"/>
-                          </a:ext>
-                        </a:extLst>
-                      </a:blip>
-                      <a:srcRect/>
-                      <a:stretch>
-                        <a:fillRect/>
-                      </a:stretch>
-                    </p:blipFill>
-                    <p:spPr bwMode="auto">
-                      <a:xfrm>
-                        <a:off x="1763688" y="4437112"/>
-                        <a:ext cx="5976664" cy="1224136"/>
-                      </a:xfrm>
-                      <a:prstGeom prst="rect">
-                        <a:avLst/>
-                      </a:prstGeom>
-                      <a:solidFill>
-                        <a:schemeClr val="tx1"/>
-                      </a:solidFill>
-                      <a:ln>
-                        <a:solidFill>
-                          <a:srgbClr val="FFC000"/>
-                        </a:solidFill>
-                      </a:ln>
-                    </p:spPr>
-                  </p:pic>
-                </p:oleObj>
-              </mc:Fallback>
-            </mc:AlternateContent>
-          </a:graphicData>
-        </a:graphic>
-      </p:graphicFrame>
-    </p:spTree>
-    <p:extLst>
-      <p:ext uri="{BB962C8B-B14F-4D97-AF65-F5344CB8AC3E}">
-        <p14:creationId xmlns:p14="http://schemas.microsoft.com/office/powerpoint/2010/main" val="2043438944"/>
-      </p:ext>
-    </p:extLst>
-  </p:cSld>
-  <p:clrMapOvr>
-    <a:masterClrMapping/>
-  </p:clrMapOvr>
-  <p:timing>
-    <p:tnLst>
-      <p:par>
-        <p:cTn id="1" dur="indefinite" restart="never" nodeType="tmRoot"/>
-      </p:par>
-    </p:tnLst>
-  </p:timing>
-</p:sld>
-</file>
-
-<file path=ppt/slides/slide9.xml><?xml version="1.0" encoding="utf-8"?>
-<p:sld xmlns:a="http://schemas.openxmlformats.org/drawingml/2006/main" xmlns:r="http://schemas.openxmlformats.org/officeDocument/2006/relationships" xmlns:p="http://schemas.openxmlformats.org/presentationml/2006/main">
-  <p:cSld>
-    <p:spTree>
-      <p:nvGrpSpPr>
-        <p:cNvPr id="1" name=""/>
-        <p:cNvGrpSpPr/>
-        <p:nvPr/>
-      </p:nvGrpSpPr>
-      <p:grpSpPr>
-        <a:xfrm>
-          <a:off x="0" y="0"/>
-          <a:ext cx="0" cy="0"/>
-          <a:chOff x="0" y="0"/>
-          <a:chExt cx="0" cy="0"/>
-        </a:xfrm>
-      </p:grpSpPr>
-      <p:sp>
-        <p:nvSpPr>
-          <p:cNvPr id="2" name="标题 1"/>
-          <p:cNvSpPr>
-            <a:spLocks noGrp="1"/>
-          </p:cNvSpPr>
-          <p:nvPr>
-            <p:ph type="title"/>
-          </p:nvPr>
-        </p:nvSpPr>
-        <p:spPr/>
-        <p:txBody>
-          <a:bodyPr/>
-          <a:lstStyle/>
-          <a:p>
-            <a:r>
               <a:rPr lang="zh-CN" altLang="en-US" dirty="0" smtClean="0"/>
               <a:t>寻径方式</a:t>
             </a:r>
@@ -5797,7 +5264,7 @@
           <p:nvPr/>
         </p:nvPicPr>
         <p:blipFill>
-          <a:blip r:embed="rId2" cstate="print">
+          <a:blip r:embed="rId3" cstate="print">
             <a:extLst>
               <a:ext uri="{28A0092B-C50C-407E-A947-70E740481C1C}">
                 <a14:useLocalDpi xmlns:a14="http://schemas.microsoft.com/office/drawing/2010/main" val="0"/>
@@ -5859,10 +5326,997 @@
           </a:fontRef>
         </p:style>
       </p:cxnSp>
+      <p:sp>
+        <p:nvSpPr>
+          <p:cNvPr id="7" name="灯片编号占位符 6"/>
+          <p:cNvSpPr>
+            <a:spLocks noGrp="1"/>
+          </p:cNvSpPr>
+          <p:nvPr>
+            <p:ph type="sldNum" sz="quarter" idx="12"/>
+          </p:nvPr>
+        </p:nvSpPr>
+        <p:spPr/>
+        <p:txBody>
+          <a:bodyPr/>
+          <a:lstStyle/>
+          <a:p>
+            <a:fld id="{D3D2B04B-01A0-41A5-9383-DE17E8B0140C}" type="slidenum">
+              <a:rPr lang="zh-CN" altLang="en-US" smtClean="0"/>
+              <a:t>4</a:t>
+            </a:fld>
+            <a:endParaRPr lang="zh-CN" altLang="en-US" dirty="0"/>
+          </a:p>
+        </p:txBody>
+      </p:sp>
     </p:spTree>
     <p:extLst>
       <p:ext uri="{BB962C8B-B14F-4D97-AF65-F5344CB8AC3E}">
         <p14:creationId xmlns:p14="http://schemas.microsoft.com/office/powerpoint/2010/main" val="3365186045"/>
+      </p:ext>
+    </p:extLst>
+  </p:cSld>
+  <p:clrMapOvr>
+    <a:masterClrMapping/>
+  </p:clrMapOvr>
+  <p:timing>
+    <p:tnLst>
+      <p:par>
+        <p:cTn id="1" dur="indefinite" restart="never" nodeType="tmRoot"/>
+      </p:par>
+    </p:tnLst>
+  </p:timing>
+</p:sld>
+</file>
+
+<file path=ppt/slides/slide5.xml><?xml version="1.0" encoding="utf-8"?>
+<p:sld xmlns:a="http://schemas.openxmlformats.org/drawingml/2006/main" xmlns:r="http://schemas.openxmlformats.org/officeDocument/2006/relationships" xmlns:p="http://schemas.openxmlformats.org/presentationml/2006/main">
+  <p:cSld>
+    <p:spTree>
+      <p:nvGrpSpPr>
+        <p:cNvPr id="1" name=""/>
+        <p:cNvGrpSpPr/>
+        <p:nvPr/>
+      </p:nvGrpSpPr>
+      <p:grpSpPr>
+        <a:xfrm>
+          <a:off x="0" y="0"/>
+          <a:ext cx="0" cy="0"/>
+          <a:chOff x="0" y="0"/>
+          <a:chExt cx="0" cy="0"/>
+        </a:xfrm>
+      </p:grpSpPr>
+      <p:sp>
+        <p:nvSpPr>
+          <p:cNvPr id="2" name="标题 1"/>
+          <p:cNvSpPr>
+            <a:spLocks noGrp="1"/>
+          </p:cNvSpPr>
+          <p:nvPr>
+            <p:ph type="title"/>
+          </p:nvPr>
+        </p:nvSpPr>
+        <p:spPr/>
+        <p:txBody>
+          <a:bodyPr/>
+          <a:lstStyle/>
+          <a:p>
+            <a:r>
+              <a:rPr lang="zh-CN" altLang="en-US" dirty="0"/>
+              <a:t>区域转移概率矩阵实验</a:t>
+            </a:r>
+          </a:p>
+        </p:txBody>
+      </p:sp>
+      <p:sp>
+        <p:nvSpPr>
+          <p:cNvPr id="3" name="内容占位符 2"/>
+          <p:cNvSpPr>
+            <a:spLocks noGrp="1"/>
+          </p:cNvSpPr>
+          <p:nvPr>
+            <p:ph sz="quarter" idx="13"/>
+          </p:nvPr>
+        </p:nvSpPr>
+        <p:spPr/>
+        <p:txBody>
+          <a:bodyPr>
+            <a:normAutofit fontScale="77500" lnSpcReduction="20000"/>
+          </a:bodyPr>
+          <a:lstStyle/>
+          <a:p>
+            <a:r>
+              <a:rPr lang="zh-CN" altLang="en-US" sz="1900" dirty="0" smtClean="0"/>
+              <a:t>区域识别实现思想</a:t>
+            </a:r>
+            <a:endParaRPr lang="en-US" altLang="zh-CN" sz="1900" dirty="0" smtClean="0"/>
+          </a:p>
+          <a:p>
+            <a:pPr lvl="1"/>
+            <a:r>
+              <a:rPr lang="zh-CN" altLang="en-US" sz="1900" dirty="0" smtClean="0"/>
+              <a:t>分别对</a:t>
+            </a:r>
+            <a:r>
+              <a:rPr lang="zh-CN" altLang="en-US" sz="1900" b="1" dirty="0" smtClean="0">
+                <a:solidFill>
+                  <a:srgbClr val="FFC000"/>
+                </a:solidFill>
+              </a:rPr>
+              <a:t>载客</a:t>
+            </a:r>
+            <a:r>
+              <a:rPr lang="en-US" altLang="zh-CN" sz="1900" b="1" dirty="0" smtClean="0">
+                <a:solidFill>
+                  <a:srgbClr val="FFC000"/>
+                </a:solidFill>
+              </a:rPr>
+              <a:t>/</a:t>
+            </a:r>
+            <a:r>
+              <a:rPr lang="zh-CN" altLang="en-US" sz="1900" b="1" dirty="0" smtClean="0">
+                <a:solidFill>
+                  <a:srgbClr val="FFC000"/>
+                </a:solidFill>
+              </a:rPr>
+              <a:t>非载客</a:t>
+            </a:r>
+            <a:r>
+              <a:rPr lang="zh-CN" altLang="en-US" sz="1900" dirty="0" smtClean="0"/>
+              <a:t>事件的区域进行识别</a:t>
+            </a:r>
+            <a:endParaRPr lang="en-US" altLang="zh-CN" sz="1900" dirty="0" smtClean="0"/>
+          </a:p>
+          <a:p>
+            <a:pPr lvl="1"/>
+            <a:r>
+              <a:rPr lang="zh-CN" altLang="en-US" sz="1900" dirty="0" smtClean="0"/>
+              <a:t>步骤</a:t>
+            </a:r>
+            <a:endParaRPr lang="en-US" altLang="zh-CN" sz="1900" dirty="0" smtClean="0"/>
+          </a:p>
+          <a:p>
+            <a:pPr lvl="2"/>
+            <a:r>
+              <a:rPr lang="zh-CN" altLang="en-US" sz="1900" dirty="0" smtClean="0"/>
+              <a:t>计算出每个</a:t>
+            </a:r>
+            <a:r>
+              <a:rPr lang="en-US" altLang="zh-CN" sz="1900" dirty="0" smtClean="0"/>
+              <a:t>cell</a:t>
+            </a:r>
+            <a:r>
+              <a:rPr lang="zh-CN" altLang="en-US" sz="1900" dirty="0" smtClean="0"/>
+              <a:t>中的</a:t>
+            </a:r>
+            <a:r>
+              <a:rPr lang="en-US" altLang="zh-CN" sz="1900" dirty="0" smtClean="0"/>
+              <a:t>event</a:t>
+            </a:r>
+            <a:r>
+              <a:rPr lang="zh-CN" altLang="en-US" sz="1900" dirty="0" smtClean="0"/>
+              <a:t>数</a:t>
+            </a:r>
+            <a:endParaRPr lang="en-US" altLang="zh-CN" sz="1900" dirty="0" smtClean="0"/>
+          </a:p>
+          <a:p>
+            <a:pPr lvl="2"/>
+            <a:r>
+              <a:rPr lang="zh-CN" altLang="en-US" sz="1900" dirty="0" smtClean="0"/>
+              <a:t>将</a:t>
+            </a:r>
+            <a:r>
+              <a:rPr lang="en-US" altLang="zh-CN" sz="1900" dirty="0" smtClean="0"/>
+              <a:t>cell</a:t>
+            </a:r>
+            <a:r>
+              <a:rPr lang="zh-CN" altLang="en-US" sz="1900" dirty="0" smtClean="0"/>
+              <a:t>按从大到小排序</a:t>
+            </a:r>
+            <a:endParaRPr lang="en-US" altLang="zh-CN" sz="1900" dirty="0" smtClean="0"/>
+          </a:p>
+          <a:p>
+            <a:pPr lvl="2"/>
+            <a:r>
+              <a:rPr lang="zh-CN" altLang="en-US" sz="1900" dirty="0" smtClean="0"/>
+              <a:t>按广度遍历的方法划分区域：</a:t>
+            </a:r>
+            <a:endParaRPr lang="en-US" altLang="zh-CN" sz="1900" dirty="0" smtClean="0"/>
+          </a:p>
+          <a:p>
+            <a:pPr lvl="3"/>
+            <a:r>
+              <a:rPr lang="zh-CN" altLang="en-US" sz="1900" dirty="0" smtClean="0"/>
+              <a:t>将第一个</a:t>
+            </a:r>
+            <a:r>
+              <a:rPr lang="en-US" altLang="zh-CN" sz="1900" dirty="0" smtClean="0"/>
+              <a:t>cell</a:t>
+            </a:r>
+            <a:r>
+              <a:rPr lang="zh-CN" altLang="en-US" sz="1900" dirty="0" smtClean="0"/>
+              <a:t>加入队列</a:t>
+            </a:r>
+            <a:endParaRPr lang="en-US" altLang="zh-CN" sz="1900" dirty="0" smtClean="0"/>
+          </a:p>
+          <a:p>
+            <a:pPr lvl="3"/>
+            <a:r>
+              <a:rPr lang="zh-CN" altLang="en-US" sz="1900" dirty="0"/>
+              <a:t>队首出队，并置为已</a:t>
+            </a:r>
+            <a:r>
+              <a:rPr lang="zh-CN" altLang="en-US" sz="1900" dirty="0" smtClean="0"/>
+              <a:t>用</a:t>
+            </a:r>
+            <a:endParaRPr lang="en-US" altLang="zh-CN" sz="1900" dirty="0" smtClean="0"/>
+          </a:p>
+          <a:p>
+            <a:pPr lvl="3"/>
+            <a:r>
+              <a:rPr lang="zh-CN" altLang="en-US" sz="1900" dirty="0" smtClean="0"/>
+              <a:t>如果</a:t>
+            </a:r>
+            <a:r>
+              <a:rPr lang="en-US" altLang="zh-CN" sz="1900" dirty="0" smtClean="0"/>
+              <a:t>cell</a:t>
+            </a:r>
+            <a:r>
+              <a:rPr lang="zh-CN" altLang="en-US" sz="1900" dirty="0" smtClean="0"/>
+              <a:t>大于阈值，那么将它上下左右，左上，右上，左下，右下方</a:t>
+            </a:r>
+            <a:r>
+              <a:rPr lang="zh-CN" altLang="en-US" sz="1900" dirty="0" smtClean="0">
+                <a:solidFill>
+                  <a:srgbClr val="FFC000"/>
+                </a:solidFill>
+              </a:rPr>
+              <a:t>大于阈值</a:t>
+            </a:r>
+            <a:r>
+              <a:rPr lang="zh-CN" altLang="en-US" sz="1900" dirty="0" smtClean="0"/>
+              <a:t>的未用的</a:t>
+            </a:r>
+            <a:r>
+              <a:rPr lang="en-US" altLang="zh-CN" sz="1900" dirty="0" smtClean="0"/>
+              <a:t>cell</a:t>
+            </a:r>
+            <a:r>
+              <a:rPr lang="zh-CN" altLang="en-US" sz="1900" dirty="0" smtClean="0"/>
+              <a:t>加入队列。保证此区域</a:t>
+            </a:r>
+            <a:r>
+              <a:rPr lang="en-US" altLang="zh-CN" sz="1900" dirty="0" smtClean="0"/>
+              <a:t>cell</a:t>
+            </a:r>
+            <a:r>
+              <a:rPr lang="zh-CN" altLang="en-US" sz="1900" dirty="0" smtClean="0"/>
+              <a:t>数不大于</a:t>
+            </a:r>
+            <a:r>
+              <a:rPr lang="en-US" altLang="zh-CN" sz="1900" dirty="0" err="1" smtClean="0"/>
+              <a:t>regionscale</a:t>
+            </a:r>
+            <a:r>
+              <a:rPr lang="en-US" altLang="zh-CN" sz="1900" dirty="0" smtClean="0"/>
+              <a:t>.</a:t>
+            </a:r>
+          </a:p>
+          <a:p>
+            <a:pPr lvl="3"/>
+            <a:r>
+              <a:rPr lang="zh-CN" altLang="en-US" sz="1900" dirty="0" smtClean="0"/>
+              <a:t>如果</a:t>
+            </a:r>
+            <a:r>
+              <a:rPr lang="en-US" altLang="zh-CN" sz="1900" dirty="0" smtClean="0"/>
+              <a:t>cell</a:t>
+            </a:r>
+            <a:r>
+              <a:rPr lang="zh-CN" altLang="en-US" sz="1900" dirty="0" smtClean="0"/>
+              <a:t>小于阈值，那么将</a:t>
+            </a:r>
+            <a:r>
+              <a:rPr lang="zh-CN" altLang="en-US" sz="1900" dirty="0"/>
+              <a:t>它上下左右，左上，右上，左下，</a:t>
+            </a:r>
+            <a:r>
+              <a:rPr lang="zh-CN" altLang="en-US" sz="1900" dirty="0" smtClean="0"/>
+              <a:t>右下方</a:t>
+            </a:r>
+            <a:r>
+              <a:rPr lang="zh-CN" altLang="en-US" sz="1900" dirty="0">
+                <a:solidFill>
+                  <a:srgbClr val="FFC000"/>
+                </a:solidFill>
+              </a:rPr>
+              <a:t>小于</a:t>
+            </a:r>
+            <a:r>
+              <a:rPr lang="zh-CN" altLang="en-US" sz="1900" dirty="0" smtClean="0">
+                <a:solidFill>
+                  <a:srgbClr val="FFC000"/>
+                </a:solidFill>
+              </a:rPr>
+              <a:t>阈值</a:t>
+            </a:r>
+            <a:r>
+              <a:rPr lang="zh-CN" altLang="en-US" sz="1900" dirty="0" smtClean="0"/>
+              <a:t>的</a:t>
+            </a:r>
+            <a:r>
+              <a:rPr lang="zh-CN" altLang="en-US" sz="1900" dirty="0"/>
+              <a:t>未用的</a:t>
+            </a:r>
+            <a:r>
+              <a:rPr lang="en-US" altLang="zh-CN" sz="1900" dirty="0" smtClean="0"/>
+              <a:t>cell</a:t>
+            </a:r>
+            <a:r>
+              <a:rPr lang="zh-CN" altLang="en-US" sz="1900" dirty="0"/>
+              <a:t>加入</a:t>
+            </a:r>
+            <a:r>
+              <a:rPr lang="zh-CN" altLang="en-US" sz="1900" dirty="0" smtClean="0"/>
+              <a:t>队列。</a:t>
+            </a:r>
+            <a:r>
+              <a:rPr lang="zh-CN" altLang="en-US" sz="1900" dirty="0"/>
+              <a:t>保证此区域</a:t>
+            </a:r>
+            <a:r>
+              <a:rPr lang="en-US" altLang="zh-CN" sz="1900" dirty="0"/>
+              <a:t>cell</a:t>
+            </a:r>
+            <a:r>
+              <a:rPr lang="zh-CN" altLang="en-US" sz="1900" dirty="0"/>
+              <a:t>数不大于</a:t>
+            </a:r>
+            <a:r>
+              <a:rPr lang="en-US" altLang="zh-CN" sz="1900" dirty="0" err="1"/>
+              <a:t>regionscale</a:t>
+            </a:r>
+            <a:r>
+              <a:rPr lang="en-US" altLang="zh-CN" sz="1900" dirty="0" smtClean="0"/>
+              <a:t>.</a:t>
+            </a:r>
+          </a:p>
+          <a:p>
+            <a:pPr lvl="3"/>
+            <a:r>
+              <a:rPr lang="zh-CN" altLang="en-US" sz="1900" dirty="0"/>
+              <a:t>当</a:t>
+            </a:r>
+            <a:r>
+              <a:rPr lang="zh-CN" altLang="en-US" sz="1900" dirty="0" smtClean="0"/>
+              <a:t>队列为空后结束。</a:t>
+            </a:r>
+            <a:endParaRPr lang="en-US" altLang="zh-CN" sz="1900" dirty="0" smtClean="0"/>
+          </a:p>
+          <a:p>
+            <a:pPr lvl="1"/>
+            <a:r>
+              <a:rPr lang="zh-CN" altLang="en-US" sz="1900" dirty="0" smtClean="0"/>
+              <a:t>由此保证每个区域不会过大，并且区域内</a:t>
+            </a:r>
+            <a:r>
+              <a:rPr lang="en-US" altLang="zh-CN" sz="1900" dirty="0" smtClean="0"/>
+              <a:t>cell</a:t>
+            </a:r>
+            <a:r>
+              <a:rPr lang="zh-CN" altLang="en-US" sz="1900" dirty="0" smtClean="0"/>
+              <a:t>的</a:t>
+            </a:r>
+            <a:r>
+              <a:rPr lang="en-US" altLang="zh-CN" sz="1900" dirty="0" smtClean="0"/>
+              <a:t>event</a:t>
+            </a:r>
+            <a:r>
+              <a:rPr lang="zh-CN" altLang="en-US" sz="1900" dirty="0" smtClean="0"/>
+              <a:t>数值类似。</a:t>
+            </a:r>
+            <a:endParaRPr lang="en-US" altLang="zh-CN" sz="1900" dirty="0" smtClean="0"/>
+          </a:p>
+          <a:p>
+            <a:pPr lvl="2"/>
+            <a:endParaRPr lang="zh-CN" altLang="en-US" dirty="0"/>
+          </a:p>
+        </p:txBody>
+      </p:sp>
+      <p:sp>
+        <p:nvSpPr>
+          <p:cNvPr id="5" name="灯片编号占位符 4"/>
+          <p:cNvSpPr>
+            <a:spLocks noGrp="1"/>
+          </p:cNvSpPr>
+          <p:nvPr>
+            <p:ph type="sldNum" sz="quarter" idx="12"/>
+          </p:nvPr>
+        </p:nvSpPr>
+        <p:spPr/>
+        <p:txBody>
+          <a:bodyPr/>
+          <a:lstStyle/>
+          <a:p>
+            <a:fld id="{D3D2B04B-01A0-41A5-9383-DE17E8B0140C}" type="slidenum">
+              <a:rPr lang="zh-CN" altLang="en-US" smtClean="0"/>
+              <a:t>5</a:t>
+            </a:fld>
+            <a:endParaRPr lang="zh-CN" altLang="en-US" dirty="0"/>
+          </a:p>
+        </p:txBody>
+      </p:sp>
+    </p:spTree>
+    <p:extLst>
+      <p:ext uri="{BB962C8B-B14F-4D97-AF65-F5344CB8AC3E}">
+        <p14:creationId xmlns:p14="http://schemas.microsoft.com/office/powerpoint/2010/main" val="3564610129"/>
+      </p:ext>
+    </p:extLst>
+  </p:cSld>
+  <p:clrMapOvr>
+    <a:masterClrMapping/>
+  </p:clrMapOvr>
+  <p:timing>
+    <p:tnLst>
+      <p:par>
+        <p:cTn id="1" dur="indefinite" restart="never" nodeType="tmRoot"/>
+      </p:par>
+    </p:tnLst>
+  </p:timing>
+</p:sld>
+</file>
+
+<file path=ppt/slides/slide6.xml><?xml version="1.0" encoding="utf-8"?>
+<p:sld xmlns:a="http://schemas.openxmlformats.org/drawingml/2006/main" xmlns:r="http://schemas.openxmlformats.org/officeDocument/2006/relationships" xmlns:p="http://schemas.openxmlformats.org/presentationml/2006/main">
+  <p:cSld>
+    <p:spTree>
+      <p:nvGrpSpPr>
+        <p:cNvPr id="1" name=""/>
+        <p:cNvGrpSpPr/>
+        <p:nvPr/>
+      </p:nvGrpSpPr>
+      <p:grpSpPr>
+        <a:xfrm>
+          <a:off x="0" y="0"/>
+          <a:ext cx="0" cy="0"/>
+          <a:chOff x="0" y="0"/>
+          <a:chExt cx="0" cy="0"/>
+        </a:xfrm>
+      </p:grpSpPr>
+      <p:sp>
+        <p:nvSpPr>
+          <p:cNvPr id="2" name="标题 1"/>
+          <p:cNvSpPr>
+            <a:spLocks noGrp="1"/>
+          </p:cNvSpPr>
+          <p:nvPr>
+            <p:ph type="title"/>
+          </p:nvPr>
+        </p:nvSpPr>
+        <p:spPr/>
+        <p:txBody>
+          <a:bodyPr/>
+          <a:lstStyle/>
+          <a:p>
+            <a:r>
+              <a:rPr lang="zh-CN" altLang="en-US" dirty="0" smtClean="0"/>
+              <a:t>区域转移概率矩阵实验</a:t>
+            </a:r>
+            <a:endParaRPr lang="zh-CN" altLang="en-US" dirty="0"/>
+          </a:p>
+        </p:txBody>
+      </p:sp>
+      <p:sp>
+        <p:nvSpPr>
+          <p:cNvPr id="3" name="内容占位符 2"/>
+          <p:cNvSpPr>
+            <a:spLocks noGrp="1"/>
+          </p:cNvSpPr>
+          <p:nvPr>
+            <p:ph sz="quarter" idx="13"/>
+          </p:nvPr>
+        </p:nvSpPr>
+        <p:spPr/>
+        <p:txBody>
+          <a:bodyPr/>
+          <a:lstStyle/>
+          <a:p>
+            <a:r>
+              <a:rPr lang="zh-CN" altLang="en-US" dirty="0" smtClean="0"/>
+              <a:t>区域识别效果（</a:t>
+            </a:r>
+            <a:r>
+              <a:rPr lang="zh-CN" altLang="en-US" dirty="0"/>
+              <a:t>下</a:t>
+            </a:r>
+            <a:r>
+              <a:rPr lang="zh-CN" altLang="en-US" dirty="0" smtClean="0"/>
+              <a:t>客事件）</a:t>
+            </a:r>
+            <a:endParaRPr lang="zh-CN" altLang="en-US" dirty="0"/>
+          </a:p>
+        </p:txBody>
+      </p:sp>
+      <p:pic>
+        <p:nvPicPr>
+          <p:cNvPr id="3075" name="Picture 3"/>
+          <p:cNvPicPr>
+            <a:picLocks noChangeAspect="1" noChangeArrowheads="1"/>
+          </p:cNvPicPr>
+          <p:nvPr/>
+        </p:nvPicPr>
+        <p:blipFill rotWithShape="1">
+          <a:blip r:embed="rId3">
+            <a:extLst>
+              <a:ext uri="{28A0092B-C50C-407E-A947-70E740481C1C}">
+                <a14:useLocalDpi xmlns:a14="http://schemas.microsoft.com/office/drawing/2010/main" val="0"/>
+              </a:ext>
+            </a:extLst>
+          </a:blip>
+          <a:srcRect l="6399" t="51962" r="51783" b="9732"/>
+          <a:stretch/>
+        </p:blipFill>
+        <p:spPr bwMode="auto">
+          <a:xfrm>
+            <a:off x="2411760" y="2276872"/>
+            <a:ext cx="4536831" cy="3261947"/>
+          </a:xfrm>
+          <a:prstGeom prst="rect">
+            <a:avLst/>
+          </a:prstGeom>
+          <a:noFill/>
+          <a:ln w="9525">
+            <a:solidFill>
+              <a:schemeClr val="tx1"/>
+            </a:solidFill>
+            <a:miter lim="800000"/>
+            <a:headEnd/>
+            <a:tailEnd/>
+          </a:ln>
+          <a:extLst>
+            <a:ext uri="{909E8E84-426E-40DD-AFC4-6F175D3DCCD1}">
+              <a14:hiddenFill xmlns:a14="http://schemas.microsoft.com/office/drawing/2010/main">
+                <a:solidFill>
+                  <a:schemeClr val="accent1"/>
+                </a:solidFill>
+              </a14:hiddenFill>
+            </a:ext>
+          </a:extLst>
+        </p:spPr>
+      </p:pic>
+      <p:sp>
+        <p:nvSpPr>
+          <p:cNvPr id="5" name="灯片编号占位符 4"/>
+          <p:cNvSpPr>
+            <a:spLocks noGrp="1"/>
+          </p:cNvSpPr>
+          <p:nvPr>
+            <p:ph type="sldNum" sz="quarter" idx="12"/>
+          </p:nvPr>
+        </p:nvSpPr>
+        <p:spPr/>
+        <p:txBody>
+          <a:bodyPr/>
+          <a:lstStyle/>
+          <a:p>
+            <a:fld id="{D3D2B04B-01A0-41A5-9383-DE17E8B0140C}" type="slidenum">
+              <a:rPr lang="zh-CN" altLang="en-US" smtClean="0"/>
+              <a:t>6</a:t>
+            </a:fld>
+            <a:endParaRPr lang="zh-CN" altLang="en-US" dirty="0"/>
+          </a:p>
+        </p:txBody>
+      </p:sp>
+    </p:spTree>
+    <p:extLst>
+      <p:ext uri="{BB962C8B-B14F-4D97-AF65-F5344CB8AC3E}">
+        <p14:creationId xmlns:p14="http://schemas.microsoft.com/office/powerpoint/2010/main" val="2051799780"/>
+      </p:ext>
+    </p:extLst>
+  </p:cSld>
+  <p:clrMapOvr>
+    <a:masterClrMapping/>
+  </p:clrMapOvr>
+  <p:timing>
+    <p:tnLst>
+      <p:par>
+        <p:cTn id="1" dur="indefinite" restart="never" nodeType="tmRoot"/>
+      </p:par>
+    </p:tnLst>
+  </p:timing>
+</p:sld>
+</file>
+
+<file path=ppt/slides/slide7.xml><?xml version="1.0" encoding="utf-8"?>
+<p:sld xmlns:a="http://schemas.openxmlformats.org/drawingml/2006/main" xmlns:r="http://schemas.openxmlformats.org/officeDocument/2006/relationships" xmlns:p="http://schemas.openxmlformats.org/presentationml/2006/main">
+  <p:cSld>
+    <p:spTree>
+      <p:nvGrpSpPr>
+        <p:cNvPr id="1" name=""/>
+        <p:cNvGrpSpPr/>
+        <p:nvPr/>
+      </p:nvGrpSpPr>
+      <p:grpSpPr>
+        <a:xfrm>
+          <a:off x="0" y="0"/>
+          <a:ext cx="0" cy="0"/>
+          <a:chOff x="0" y="0"/>
+          <a:chExt cx="0" cy="0"/>
+        </a:xfrm>
+      </p:grpSpPr>
+      <p:sp>
+        <p:nvSpPr>
+          <p:cNvPr id="2" name="标题 1"/>
+          <p:cNvSpPr>
+            <a:spLocks noGrp="1"/>
+          </p:cNvSpPr>
+          <p:nvPr>
+            <p:ph type="title"/>
+          </p:nvPr>
+        </p:nvSpPr>
+        <p:spPr/>
+        <p:txBody>
+          <a:bodyPr/>
+          <a:lstStyle/>
+          <a:p>
+            <a:r>
+              <a:rPr lang="zh-CN" altLang="en-US" dirty="0"/>
+              <a:t>区域转移概率矩阵实验</a:t>
+            </a:r>
+          </a:p>
+        </p:txBody>
+      </p:sp>
+      <p:sp>
+        <p:nvSpPr>
+          <p:cNvPr id="3" name="内容占位符 2"/>
+          <p:cNvSpPr>
+            <a:spLocks noGrp="1"/>
+          </p:cNvSpPr>
+          <p:nvPr>
+            <p:ph sz="quarter" idx="13"/>
+          </p:nvPr>
+        </p:nvSpPr>
+        <p:spPr/>
+        <p:txBody>
+          <a:bodyPr/>
+          <a:lstStyle/>
+          <a:p>
+            <a:r>
+              <a:rPr lang="zh-CN" altLang="en-US" dirty="0"/>
+              <a:t>区域识别效果</a:t>
+            </a:r>
+            <a:r>
+              <a:rPr lang="zh-CN" altLang="en-US" dirty="0" smtClean="0"/>
+              <a:t>（载客</a:t>
+            </a:r>
+            <a:r>
+              <a:rPr lang="zh-CN" altLang="en-US" dirty="0"/>
+              <a:t>事件</a:t>
+            </a:r>
+            <a:r>
+              <a:rPr lang="zh-CN" altLang="en-US" dirty="0" smtClean="0"/>
+              <a:t>）</a:t>
+            </a:r>
+            <a:endParaRPr lang="zh-CN" altLang="en-US" dirty="0"/>
+          </a:p>
+        </p:txBody>
+      </p:sp>
+      <p:pic>
+        <p:nvPicPr>
+          <p:cNvPr id="4" name="Picture 4"/>
+          <p:cNvPicPr>
+            <a:picLocks noChangeAspect="1" noChangeArrowheads="1"/>
+          </p:cNvPicPr>
+          <p:nvPr/>
+        </p:nvPicPr>
+        <p:blipFill rotWithShape="1">
+          <a:blip r:embed="rId3">
+            <a:extLst>
+              <a:ext uri="{28A0092B-C50C-407E-A947-70E740481C1C}">
+                <a14:useLocalDpi xmlns:a14="http://schemas.microsoft.com/office/drawing/2010/main" val="0"/>
+              </a:ext>
+            </a:extLst>
+          </a:blip>
+          <a:srcRect l="5509" t="51960" r="52350" b="9733"/>
+          <a:stretch/>
+        </p:blipFill>
+        <p:spPr bwMode="auto">
+          <a:xfrm>
+            <a:off x="2267744" y="2276872"/>
+            <a:ext cx="4572001" cy="3261947"/>
+          </a:xfrm>
+          <a:prstGeom prst="rect">
+            <a:avLst/>
+          </a:prstGeom>
+          <a:noFill/>
+          <a:ln w="9525">
+            <a:solidFill>
+              <a:schemeClr val="tx1"/>
+            </a:solidFill>
+            <a:miter lim="800000"/>
+            <a:headEnd/>
+            <a:tailEnd/>
+          </a:ln>
+          <a:extLst>
+            <a:ext uri="{909E8E84-426E-40DD-AFC4-6F175D3DCCD1}">
+              <a14:hiddenFill xmlns:a14="http://schemas.microsoft.com/office/drawing/2010/main">
+                <a:solidFill>
+                  <a:schemeClr val="accent1"/>
+                </a:solidFill>
+              </a14:hiddenFill>
+            </a:ext>
+          </a:extLst>
+        </p:spPr>
+      </p:pic>
+      <p:sp>
+        <p:nvSpPr>
+          <p:cNvPr id="6" name="灯片编号占位符 5"/>
+          <p:cNvSpPr>
+            <a:spLocks noGrp="1"/>
+          </p:cNvSpPr>
+          <p:nvPr>
+            <p:ph type="sldNum" sz="quarter" idx="12"/>
+          </p:nvPr>
+        </p:nvSpPr>
+        <p:spPr/>
+        <p:txBody>
+          <a:bodyPr/>
+          <a:lstStyle/>
+          <a:p>
+            <a:fld id="{D3D2B04B-01A0-41A5-9383-DE17E8B0140C}" type="slidenum">
+              <a:rPr lang="zh-CN" altLang="en-US" smtClean="0"/>
+              <a:t>7</a:t>
+            </a:fld>
+            <a:endParaRPr lang="zh-CN" altLang="en-US" dirty="0"/>
+          </a:p>
+        </p:txBody>
+      </p:sp>
+    </p:spTree>
+    <p:extLst>
+      <p:ext uri="{BB962C8B-B14F-4D97-AF65-F5344CB8AC3E}">
+        <p14:creationId xmlns:p14="http://schemas.microsoft.com/office/powerpoint/2010/main" val="1034911770"/>
+      </p:ext>
+    </p:extLst>
+  </p:cSld>
+  <p:clrMapOvr>
+    <a:masterClrMapping/>
+  </p:clrMapOvr>
+  <p:timing>
+    <p:tnLst>
+      <p:par>
+        <p:cTn id="1" dur="indefinite" restart="never" nodeType="tmRoot"/>
+      </p:par>
+    </p:tnLst>
+  </p:timing>
+</p:sld>
+</file>
+
+<file path=ppt/slides/slide8.xml><?xml version="1.0" encoding="utf-8"?>
+<p:sld xmlns:a="http://schemas.openxmlformats.org/drawingml/2006/main" xmlns:r="http://schemas.openxmlformats.org/officeDocument/2006/relationships" xmlns:p="http://schemas.openxmlformats.org/presentationml/2006/main">
+  <p:cSld>
+    <p:spTree>
+      <p:nvGrpSpPr>
+        <p:cNvPr id="1" name=""/>
+        <p:cNvGrpSpPr/>
+        <p:nvPr/>
+      </p:nvGrpSpPr>
+      <p:grpSpPr>
+        <a:xfrm>
+          <a:off x="0" y="0"/>
+          <a:ext cx="0" cy="0"/>
+          <a:chOff x="0" y="0"/>
+          <a:chExt cx="0" cy="0"/>
+        </a:xfrm>
+      </p:grpSpPr>
+      <p:sp>
+        <p:nvSpPr>
+          <p:cNvPr id="2" name="标题 1"/>
+          <p:cNvSpPr>
+            <a:spLocks noGrp="1"/>
+          </p:cNvSpPr>
+          <p:nvPr>
+            <p:ph type="title"/>
+          </p:nvPr>
+        </p:nvSpPr>
+        <p:spPr/>
+        <p:txBody>
+          <a:bodyPr/>
+          <a:lstStyle/>
+          <a:p>
+            <a:r>
+              <a:rPr lang="en-US" altLang="zh-CN" dirty="0" smtClean="0"/>
+              <a:t>Duration</a:t>
+            </a:r>
+            <a:r>
+              <a:rPr lang="zh-CN" altLang="en-US" dirty="0" smtClean="0"/>
+              <a:t>分布实验</a:t>
+            </a:r>
+            <a:endParaRPr lang="zh-CN" altLang="en-US" dirty="0"/>
+          </a:p>
+        </p:txBody>
+      </p:sp>
+      <p:sp>
+        <p:nvSpPr>
+          <p:cNvPr id="3" name="内容占位符 2"/>
+          <p:cNvSpPr>
+            <a:spLocks noGrp="1"/>
+          </p:cNvSpPr>
+          <p:nvPr>
+            <p:ph sz="quarter" idx="13"/>
+          </p:nvPr>
+        </p:nvSpPr>
+        <p:spPr/>
+        <p:txBody>
+          <a:bodyPr/>
+          <a:lstStyle/>
+          <a:p>
+            <a:pPr>
+              <a:buFont typeface="+mj-lt"/>
+              <a:buAutoNum type="arabicPeriod"/>
+            </a:pPr>
+            <a:r>
+              <a:rPr lang="zh-CN" altLang="en-US" dirty="0" smtClean="0"/>
+              <a:t>通过</a:t>
+            </a:r>
+            <a:r>
+              <a:rPr lang="en-US" altLang="zh-CN" dirty="0" smtClean="0"/>
+              <a:t>status</a:t>
+            </a:r>
+            <a:r>
+              <a:rPr lang="zh-CN" altLang="en-US" dirty="0" smtClean="0"/>
+              <a:t>修正</a:t>
+            </a:r>
+            <a:r>
+              <a:rPr lang="en-US" altLang="zh-CN" dirty="0" smtClean="0"/>
+              <a:t>event</a:t>
+            </a:r>
+          </a:p>
+          <a:p>
+            <a:pPr lvl="1"/>
+            <a:r>
+              <a:rPr lang="zh-CN" altLang="en-US" dirty="0" smtClean="0"/>
+              <a:t>存在</a:t>
+            </a:r>
+            <a:r>
+              <a:rPr lang="en-US" altLang="zh-CN" dirty="0" smtClean="0"/>
+              <a:t>status</a:t>
+            </a:r>
+            <a:r>
+              <a:rPr lang="zh-CN" altLang="en-US" dirty="0" smtClean="0"/>
+              <a:t>与</a:t>
+            </a:r>
+            <a:r>
+              <a:rPr lang="en-US" altLang="zh-CN" dirty="0" smtClean="0"/>
+              <a:t>event</a:t>
+            </a:r>
+            <a:r>
+              <a:rPr lang="zh-CN" altLang="en-US" dirty="0" smtClean="0"/>
+              <a:t>不一致的情况，例如</a:t>
+            </a:r>
+            <a:r>
+              <a:rPr lang="en-US" altLang="zh-CN" dirty="0" smtClean="0"/>
+              <a:t>status=1,event=3.</a:t>
+            </a:r>
+          </a:p>
+          <a:p>
+            <a:pPr>
+              <a:buFont typeface="+mj-lt"/>
+              <a:buAutoNum type="arabicPeriod"/>
+            </a:pPr>
+            <a:r>
+              <a:rPr lang="zh-CN" altLang="en-US" dirty="0" smtClean="0"/>
+              <a:t>采用每</a:t>
+            </a:r>
+            <a:r>
+              <a:rPr lang="en-US" altLang="zh-CN" dirty="0" smtClean="0"/>
+              <a:t>20s</a:t>
+            </a:r>
+            <a:r>
+              <a:rPr lang="zh-CN" altLang="en-US" dirty="0" smtClean="0"/>
+              <a:t>算一个</a:t>
+            </a:r>
+            <a:r>
+              <a:rPr lang="en-US" altLang="zh-CN" dirty="0" smtClean="0"/>
+              <a:t>Duration</a:t>
+            </a:r>
+            <a:r>
+              <a:rPr lang="zh-CN" altLang="en-US" dirty="0" smtClean="0"/>
+              <a:t>出现的频度</a:t>
+            </a:r>
+            <a:endParaRPr lang="en-US" altLang="zh-CN" dirty="0" smtClean="0"/>
+          </a:p>
+          <a:p>
+            <a:pPr>
+              <a:buFont typeface="+mj-lt"/>
+              <a:buAutoNum type="arabicPeriod"/>
+            </a:pPr>
+            <a:r>
+              <a:rPr lang="zh-CN" altLang="en-US" dirty="0" smtClean="0"/>
+              <a:t>结果如下：</a:t>
+            </a:r>
+            <a:endParaRPr lang="en-US" altLang="zh-CN" dirty="0"/>
+          </a:p>
+        </p:txBody>
+      </p:sp>
+      <p:pic>
+        <p:nvPicPr>
+          <p:cNvPr id="1026" name="Picture 2"/>
+          <p:cNvPicPr>
+            <a:picLocks noChangeAspect="1" noChangeArrowheads="1"/>
+          </p:cNvPicPr>
+          <p:nvPr/>
+        </p:nvPicPr>
+        <p:blipFill rotWithShape="1">
+          <a:blip r:embed="rId3">
+            <a:extLst>
+              <a:ext uri="{28A0092B-C50C-407E-A947-70E740481C1C}">
+                <a14:useLocalDpi xmlns:a14="http://schemas.microsoft.com/office/drawing/2010/main" val="0"/>
+              </a:ext>
+            </a:extLst>
+          </a:blip>
+          <a:srcRect l="7087" t="18023" r="40533" b="13313"/>
+          <a:stretch/>
+        </p:blipFill>
+        <p:spPr bwMode="auto">
+          <a:xfrm>
+            <a:off x="2339752" y="2780929"/>
+            <a:ext cx="4362641" cy="3096344"/>
+          </a:xfrm>
+          <a:prstGeom prst="rect">
+            <a:avLst/>
+          </a:prstGeom>
+          <a:noFill/>
+          <a:ln>
+            <a:noFill/>
+          </a:ln>
+          <a:extLst>
+            <a:ext uri="{909E8E84-426E-40DD-AFC4-6F175D3DCCD1}">
+              <a14:hiddenFill xmlns:a14="http://schemas.microsoft.com/office/drawing/2010/main">
+                <a:solidFill>
+                  <a:schemeClr val="accent1"/>
+                </a:solidFill>
+              </a14:hiddenFill>
+            </a:ext>
+            <a:ext uri="{91240B29-F687-4F45-9708-019B960494DF}">
+              <a14:hiddenLine xmlns:a14="http://schemas.microsoft.com/office/drawing/2010/main" w="9525">
+                <a:solidFill>
+                  <a:schemeClr val="tx1"/>
+                </a:solidFill>
+                <a:miter lim="800000"/>
+                <a:headEnd/>
+                <a:tailEnd/>
+              </a14:hiddenLine>
+            </a:ext>
+          </a:extLst>
+        </p:spPr>
+      </p:pic>
+      <p:sp>
+        <p:nvSpPr>
+          <p:cNvPr id="5" name="灯片编号占位符 4"/>
+          <p:cNvSpPr>
+            <a:spLocks noGrp="1"/>
+          </p:cNvSpPr>
+          <p:nvPr>
+            <p:ph type="sldNum" sz="quarter" idx="12"/>
+          </p:nvPr>
+        </p:nvSpPr>
+        <p:spPr/>
+        <p:txBody>
+          <a:bodyPr/>
+          <a:lstStyle/>
+          <a:p>
+            <a:fld id="{D3D2B04B-01A0-41A5-9383-DE17E8B0140C}" type="slidenum">
+              <a:rPr lang="zh-CN" altLang="en-US" smtClean="0"/>
+              <a:t>8</a:t>
+            </a:fld>
+            <a:endParaRPr lang="zh-CN" altLang="en-US" dirty="0"/>
+          </a:p>
+        </p:txBody>
+      </p:sp>
+    </p:spTree>
+    <p:extLst>
+      <p:ext uri="{BB962C8B-B14F-4D97-AF65-F5344CB8AC3E}">
+        <p14:creationId xmlns:p14="http://schemas.microsoft.com/office/powerpoint/2010/main" val="2492606614"/>
       </p:ext>
     </p:extLst>
   </p:cSld>
@@ -6168,4 +6622,289 @@
   <a:objectDefaults/>
   <a:extraClrSchemeLst/>
 </a:theme>
+</file>
+
+<file path=ppt/theme/theme2.xml><?xml version="1.0" encoding="utf-8"?>
+<a:theme xmlns:a="http://schemas.openxmlformats.org/drawingml/2006/main" name="Office 主题​​">
+  <a:themeElements>
+    <a:clrScheme name="Office">
+      <a:dk1>
+        <a:sysClr val="windowText" lastClr="000000"/>
+      </a:dk1>
+      <a:lt1>
+        <a:sysClr val="window" lastClr="CCE8CF"/>
+      </a:lt1>
+      <a:dk2>
+        <a:srgbClr val="1F497D"/>
+      </a:dk2>
+      <a:lt2>
+        <a:srgbClr val="EEECE1"/>
+      </a:lt2>
+      <a:accent1>
+        <a:srgbClr val="4F81BD"/>
+      </a:accent1>
+      <a:accent2>
+        <a:srgbClr val="C0504D"/>
+      </a:accent2>
+      <a:accent3>
+        <a:srgbClr val="9BBB59"/>
+      </a:accent3>
+      <a:accent4>
+        <a:srgbClr val="8064A2"/>
+      </a:accent4>
+      <a:accent5>
+        <a:srgbClr val="4BACC6"/>
+      </a:accent5>
+      <a:accent6>
+        <a:srgbClr val="F79646"/>
+      </a:accent6>
+      <a:hlink>
+        <a:srgbClr val="0000FF"/>
+      </a:hlink>
+      <a:folHlink>
+        <a:srgbClr val="800080"/>
+      </a:folHlink>
+    </a:clrScheme>
+    <a:fontScheme name="Office">
+      <a:majorFont>
+        <a:latin typeface="Calibri"/>
+        <a:ea typeface=""/>
+        <a:cs typeface=""/>
+        <a:font script="Jpan" typeface="ＭＳ Ｐゴシック"/>
+        <a:font script="Hang" typeface="맑은 고딕"/>
+        <a:font script="Hans" typeface="宋体"/>
+        <a:font script="Hant" typeface="新細明體"/>
+        <a:font script="Arab" typeface="Times New Roman"/>
+        <a:font script="Hebr" typeface="Times New Roman"/>
+        <a:font script="Thai" typeface="Angsana New"/>
+        <a:font script="Ethi" typeface="Nyala"/>
+        <a:font script="Beng" typeface="Vrinda"/>
+        <a:font script="Gujr" typeface="Shruti"/>
+        <a:font script="Khmr" typeface="MoolBoran"/>
+        <a:font script="Knda" typeface="Tunga"/>
+        <a:font script="Guru" typeface="Raavi"/>
+        <a:font script="Cans" typeface="Euphemia"/>
+        <a:font script="Cher" typeface="Plantagenet Cherokee"/>
+        <a:font script="Yiii" typeface="Microsoft Yi Baiti"/>
+        <a:font script="Tibt" typeface="Microsoft Himalaya"/>
+        <a:font script="Thaa" typeface="MV Boli"/>
+        <a:font script="Deva" typeface="Mangal"/>
+        <a:font script="Telu" typeface="Gautami"/>
+        <a:font script="Taml" typeface="Latha"/>
+        <a:font script="Syrc" typeface="Estrangelo Edessa"/>
+        <a:font script="Orya" typeface="Kalinga"/>
+        <a:font script="Mlym" typeface="Kartika"/>
+        <a:font script="Laoo" typeface="DokChampa"/>
+        <a:font script="Sinh" typeface="Iskoola Pota"/>
+        <a:font script="Mong" typeface="Mongolian Baiti"/>
+        <a:font script="Viet" typeface="Times New Roman"/>
+        <a:font script="Uigh" typeface="Microsoft Uighur"/>
+        <a:font script="Geor" typeface="Sylfaen"/>
+      </a:majorFont>
+      <a:minorFont>
+        <a:latin typeface="Calibri"/>
+        <a:ea typeface=""/>
+        <a:cs typeface=""/>
+        <a:font script="Jpan" typeface="ＭＳ Ｐゴシック"/>
+        <a:font script="Hang" typeface="맑은 고딕"/>
+        <a:font script="Hans" typeface="宋体"/>
+        <a:font script="Hant" typeface="新細明體"/>
+        <a:font script="Arab" typeface="Arial"/>
+        <a:font script="Hebr" typeface="Arial"/>
+        <a:font script="Thai" typeface="Cordia New"/>
+        <a:font script="Ethi" typeface="Nyala"/>
+        <a:font script="Beng" typeface="Vrinda"/>
+        <a:font script="Gujr" typeface="Shruti"/>
+        <a:font script="Khmr" typeface="DaunPenh"/>
+        <a:font script="Knda" typeface="Tunga"/>
+        <a:font script="Guru" typeface="Raavi"/>
+        <a:font script="Cans" typeface="Euphemia"/>
+        <a:font script="Cher" typeface="Plantagenet Cherokee"/>
+        <a:font script="Yiii" typeface="Microsoft Yi Baiti"/>
+        <a:font script="Tibt" typeface="Microsoft Himalaya"/>
+        <a:font script="Thaa" typeface="MV Boli"/>
+        <a:font script="Deva" typeface="Mangal"/>
+        <a:font script="Telu" typeface="Gautami"/>
+        <a:font script="Taml" typeface="Latha"/>
+        <a:font script="Syrc" typeface="Estrangelo Edessa"/>
+        <a:font script="Orya" typeface="Kalinga"/>
+        <a:font script="Mlym" typeface="Kartika"/>
+        <a:font script="Laoo" typeface="DokChampa"/>
+        <a:font script="Sinh" typeface="Iskoola Pota"/>
+        <a:font script="Mong" typeface="Mongolian Baiti"/>
+        <a:font script="Viet" typeface="Arial"/>
+        <a:font script="Uigh" typeface="Microsoft Uighur"/>
+        <a:font script="Geor" typeface="Sylfaen"/>
+      </a:minorFont>
+    </a:fontScheme>
+    <a:fmtScheme name="Office">
+      <a:fillStyleLst>
+        <a:solidFill>
+          <a:schemeClr val="phClr"/>
+        </a:solidFill>
+        <a:gradFill rotWithShape="1">
+          <a:gsLst>
+            <a:gs pos="0">
+              <a:schemeClr val="phClr">
+                <a:tint val="50000"/>
+                <a:satMod val="300000"/>
+              </a:schemeClr>
+            </a:gs>
+            <a:gs pos="35000">
+              <a:schemeClr val="phClr">
+                <a:tint val="37000"/>
+                <a:satMod val="300000"/>
+              </a:schemeClr>
+            </a:gs>
+            <a:gs pos="100000">
+              <a:schemeClr val="phClr">
+                <a:tint val="15000"/>
+                <a:satMod val="350000"/>
+              </a:schemeClr>
+            </a:gs>
+          </a:gsLst>
+          <a:lin ang="16200000" scaled="1"/>
+        </a:gradFill>
+        <a:gradFill rotWithShape="1">
+          <a:gsLst>
+            <a:gs pos="0">
+              <a:schemeClr val="phClr">
+                <a:shade val="51000"/>
+                <a:satMod val="130000"/>
+              </a:schemeClr>
+            </a:gs>
+            <a:gs pos="80000">
+              <a:schemeClr val="phClr">
+                <a:shade val="93000"/>
+                <a:satMod val="130000"/>
+              </a:schemeClr>
+            </a:gs>
+            <a:gs pos="100000">
+              <a:schemeClr val="phClr">
+                <a:shade val="94000"/>
+                <a:satMod val="135000"/>
+              </a:schemeClr>
+            </a:gs>
+          </a:gsLst>
+          <a:lin ang="16200000" scaled="0"/>
+        </a:gradFill>
+      </a:fillStyleLst>
+      <a:lnStyleLst>
+        <a:ln w="9525" cap="flat" cmpd="sng" algn="ctr">
+          <a:solidFill>
+            <a:schemeClr val="phClr">
+              <a:shade val="95000"/>
+              <a:satMod val="105000"/>
+            </a:schemeClr>
+          </a:solidFill>
+          <a:prstDash val="solid"/>
+        </a:ln>
+        <a:ln w="25400" cap="flat" cmpd="sng" algn="ctr">
+          <a:solidFill>
+            <a:schemeClr val="phClr"/>
+          </a:solidFill>
+          <a:prstDash val="solid"/>
+        </a:ln>
+        <a:ln w="38100" cap="flat" cmpd="sng" algn="ctr">
+          <a:solidFill>
+            <a:schemeClr val="phClr"/>
+          </a:solidFill>
+          <a:prstDash val="solid"/>
+        </a:ln>
+      </a:lnStyleLst>
+      <a:effectStyleLst>
+        <a:effectStyle>
+          <a:effectLst>
+            <a:outerShdw blurRad="40000" dist="20000" dir="5400000" rotWithShape="0">
+              <a:srgbClr val="000000">
+                <a:alpha val="38000"/>
+              </a:srgbClr>
+            </a:outerShdw>
+          </a:effectLst>
+        </a:effectStyle>
+        <a:effectStyle>
+          <a:effectLst>
+            <a:outerShdw blurRad="40000" dist="23000" dir="5400000" rotWithShape="0">
+              <a:srgbClr val="000000">
+                <a:alpha val="35000"/>
+              </a:srgbClr>
+            </a:outerShdw>
+          </a:effectLst>
+        </a:effectStyle>
+        <a:effectStyle>
+          <a:effectLst>
+            <a:outerShdw blurRad="40000" dist="23000" dir="5400000" rotWithShape="0">
+              <a:srgbClr val="000000">
+                <a:alpha val="35000"/>
+              </a:srgbClr>
+            </a:outerShdw>
+          </a:effectLst>
+          <a:scene3d>
+            <a:camera prst="orthographicFront">
+              <a:rot lat="0" lon="0" rev="0"/>
+            </a:camera>
+            <a:lightRig rig="threePt" dir="t">
+              <a:rot lat="0" lon="0" rev="1200000"/>
+            </a:lightRig>
+          </a:scene3d>
+          <a:sp3d>
+            <a:bevelT w="63500" h="25400"/>
+          </a:sp3d>
+        </a:effectStyle>
+      </a:effectStyleLst>
+      <a:bgFillStyleLst>
+        <a:solidFill>
+          <a:schemeClr val="phClr"/>
+        </a:solidFill>
+        <a:gradFill rotWithShape="1">
+          <a:gsLst>
+            <a:gs pos="0">
+              <a:schemeClr val="phClr">
+                <a:tint val="40000"/>
+                <a:satMod val="350000"/>
+              </a:schemeClr>
+            </a:gs>
+            <a:gs pos="40000">
+              <a:schemeClr val="phClr">
+                <a:tint val="45000"/>
+                <a:shade val="99000"/>
+                <a:satMod val="350000"/>
+              </a:schemeClr>
+            </a:gs>
+            <a:gs pos="100000">
+              <a:schemeClr val="phClr">
+                <a:shade val="20000"/>
+                <a:satMod val="255000"/>
+              </a:schemeClr>
+            </a:gs>
+          </a:gsLst>
+          <a:path path="circle">
+            <a:fillToRect l="50000" t="-80000" r="50000" b="180000"/>
+          </a:path>
+        </a:gradFill>
+        <a:gradFill rotWithShape="1">
+          <a:gsLst>
+            <a:gs pos="0">
+              <a:schemeClr val="phClr">
+                <a:tint val="80000"/>
+                <a:satMod val="300000"/>
+              </a:schemeClr>
+            </a:gs>
+            <a:gs pos="100000">
+              <a:schemeClr val="phClr">
+                <a:shade val="30000"/>
+                <a:satMod val="200000"/>
+              </a:schemeClr>
+            </a:gs>
+          </a:gsLst>
+          <a:path path="circle">
+            <a:fillToRect l="50000" t="50000" r="50000" b="50000"/>
+          </a:path>
+        </a:gradFill>
+      </a:bgFillStyleLst>
+    </a:fmtScheme>
+  </a:themeElements>
+  <a:objectDefaults/>
+  <a:extraClrSchemeLst/>
+</a:theme>
 </file>